--- a/Documents/Deck/Getting Started With Sparklyr.pptx
+++ b/Documents/Deck/Getting Started With Sparklyr.pptx
@@ -124,6 +124,10 @@
 </p:presentation>
 </file>
 
+<file path=ppt/revisionInfo.xml><?xml version="1.0" encoding="utf-8"?>
+<p1510:revInfo xmlns:a="http://schemas.openxmlformats.org/drawingml/2006/main" xmlns:r="http://schemas.openxmlformats.org/officeDocument/2006/relationships" xmlns:p1510="http://schemas.microsoft.com/office/powerpoint/2015/10/main"/>
+</file>
+
 <file path=ppt/slideLayouts/slideLayout1.xml><?xml version="1.0" encoding="utf-8"?>
 <p:sldLayout xmlns:a="http://schemas.openxmlformats.org/drawingml/2006/main" xmlns:r="http://schemas.openxmlformats.org/officeDocument/2006/relationships" xmlns:p="http://schemas.openxmlformats.org/presentationml/2006/main" type="title" preserve="1">
   <p:cSld name="Title Slide">
@@ -320,7 +324,7 @@
           <a:p>
             <a:fld id="{ECD19FB2-3AAB-4D03-B13A-2960828C78E3}" type="datetimeFigureOut">
               <a:rPr lang="en-US" dirty="0"/>
-              <a:t>2/8/2018</a:t>
+              <a:t>2/10/2018</a:t>
             </a:fld>
             <a:endParaRPr lang="en-US" dirty="0"/>
           </a:p>
@@ -601,7 +605,7 @@
           <a:p>
             <a:fld id="{1B80C674-7DFC-42FE-B9CD-82963CDB1557}" type="datetimeFigureOut">
               <a:rPr lang="en-US" dirty="0"/>
-              <a:t>2/8/2018</a:t>
+              <a:t>2/10/2018</a:t>
             </a:fld>
             <a:endParaRPr lang="en-US" dirty="0"/>
           </a:p>
@@ -792,7 +796,7 @@
           <a:p>
             <a:fld id="{2076456F-F47D-4F25-8053-2A695DA0CA7D}" type="datetimeFigureOut">
               <a:rPr lang="en-US" dirty="0"/>
-              <a:t>2/8/2018</a:t>
+              <a:t>2/10/2018</a:t>
             </a:fld>
             <a:endParaRPr lang="en-US" dirty="0"/>
           </a:p>
@@ -1052,7 +1056,7 @@
           <a:p>
             <a:fld id="{5D6C7379-69CC-4837-9905-BEBA22830C8A}" type="datetimeFigureOut">
               <a:rPr lang="en-US" dirty="0"/>
-              <a:t>2/8/2018</a:t>
+              <a:t>2/10/2018</a:t>
             </a:fld>
             <a:endParaRPr lang="en-US" dirty="0"/>
           </a:p>
@@ -1477,7 +1481,7 @@
           <a:p>
             <a:fld id="{49EB8B7E-8AEE-4F10-BFEE-C999AD004D36}" type="datetimeFigureOut">
               <a:rPr lang="en-US" dirty="0"/>
-              <a:t>2/8/2018</a:t>
+              <a:t>2/10/2018</a:t>
             </a:fld>
             <a:endParaRPr lang="en-US" dirty="0"/>
           </a:p>
@@ -2022,7 +2026,7 @@
           <a:p>
             <a:fld id="{8668F3F9-58BC-440B-B37B-805B9055EF92}" type="datetimeFigureOut">
               <a:rPr lang="en-US" dirty="0"/>
-              <a:t>2/8/2018</a:t>
+              <a:t>2/10/2018</a:t>
             </a:fld>
             <a:endParaRPr lang="en-US" dirty="0"/>
           </a:p>
@@ -2852,7 +2856,7 @@
           <a:p>
             <a:fld id="{0D5A53AF-48EA-489D-8260-9DCAB666386A}" type="datetimeFigureOut">
               <a:rPr lang="en-US" dirty="0"/>
-              <a:t>2/8/2018</a:t>
+              <a:t>2/10/2018</a:t>
             </a:fld>
             <a:endParaRPr lang="en-US" dirty="0"/>
           </a:p>
@@ -3021,7 +3025,7 @@
           <a:p>
             <a:fld id="{0DED02AE-B9A4-47BD-AF8E-97E16144138B}" type="datetimeFigureOut">
               <a:rPr lang="en-US" dirty="0"/>
-              <a:t>2/8/2018</a:t>
+              <a:t>2/10/2018</a:t>
             </a:fld>
             <a:endParaRPr lang="en-US" dirty="0"/>
           </a:p>
@@ -3200,7 +3204,7 @@
           <a:p>
             <a:fld id="{CF0FD78B-DB02-4362-BCDC-98A55456977C}" type="datetimeFigureOut">
               <a:rPr lang="en-US" dirty="0"/>
-              <a:t>2/8/2018</a:t>
+              <a:t>2/10/2018</a:t>
             </a:fld>
             <a:endParaRPr lang="en-US" dirty="0"/>
           </a:p>
@@ -3369,7 +3373,7 @@
           <a:p>
             <a:fld id="{99916976-5D93-46E4-A98A-FAD63E4D0EA8}" type="datetimeFigureOut">
               <a:rPr lang="en-US" dirty="0"/>
-              <a:t>2/8/2018</a:t>
+              <a:t>2/10/2018</a:t>
             </a:fld>
             <a:endParaRPr lang="en-US" dirty="0"/>
           </a:p>
@@ -3625,7 +3629,7 @@
           <a:p>
             <a:fld id="{0F39F4F5-F4D2-4D2A-AB60-88D37ADCB869}" type="datetimeFigureOut">
               <a:rPr lang="en-US" dirty="0"/>
-              <a:t>2/8/2018</a:t>
+              <a:t>2/10/2018</a:t>
             </a:fld>
             <a:endParaRPr lang="en-US" dirty="0"/>
           </a:p>
@@ -3856,7 +3860,7 @@
           <a:p>
             <a:fld id="{D23BC6CE-6D1E-47E5-8859-F31AC5380EB2}" type="datetimeFigureOut">
               <a:rPr lang="en-US" dirty="0"/>
-              <a:t>2/8/2018</a:t>
+              <a:t>2/10/2018</a:t>
             </a:fld>
             <a:endParaRPr lang="en-US" dirty="0"/>
           </a:p>
@@ -4248,7 +4252,7 @@
           <a:p>
             <a:fld id="{B1B4E7C4-4DA4-404D-9965-B13F2DD7D8BF}" type="datetimeFigureOut">
               <a:rPr lang="en-US" dirty="0"/>
-              <a:t>2/8/2018</a:t>
+              <a:t>2/10/2018</a:t>
             </a:fld>
             <a:endParaRPr lang="en-US" dirty="0"/>
           </a:p>
@@ -4365,7 +4369,7 @@
           <a:p>
             <a:fld id="{476FB7AA-4A53-424F-AD41-70827B6504BA}" type="datetimeFigureOut">
               <a:rPr lang="en-US" dirty="0"/>
-              <a:t>2/8/2018</a:t>
+              <a:t>2/10/2018</a:t>
             </a:fld>
             <a:endParaRPr lang="en-US" dirty="0"/>
           </a:p>
@@ -4459,7 +4463,7 @@
           <a:p>
             <a:fld id="{E7884882-FB12-4BC8-9960-9AD8104D7FAE}" type="datetimeFigureOut">
               <a:rPr lang="en-US" dirty="0"/>
-              <a:t>2/8/2018</a:t>
+              <a:t>2/10/2018</a:t>
             </a:fld>
             <a:endParaRPr lang="en-US" dirty="0"/>
           </a:p>
@@ -4731,7 +4735,7 @@
           <a:p>
             <a:fld id="{F7D1BD23-6E54-4D9D-AD88-A2813C73CC25}" type="datetimeFigureOut">
               <a:rPr lang="en-US" dirty="0"/>
-              <a:t>2/8/2018</a:t>
+              <a:t>2/10/2018</a:t>
             </a:fld>
             <a:endParaRPr lang="en-US" dirty="0"/>
           </a:p>
@@ -5011,7 +5015,7 @@
           <a:p>
             <a:fld id="{1471A834-4F3C-4AF9-9C74-05EC35A0F292}" type="datetimeFigureOut">
               <a:rPr lang="en-US" dirty="0"/>
-              <a:t>2/8/2018</a:t>
+              <a:t>2/10/2018</a:t>
             </a:fld>
             <a:endParaRPr lang="en-US" dirty="0"/>
           </a:p>
@@ -5250,7 +5254,7 @@
           <a:p>
             <a:fld id="{51CF1133-3259-4C45-BABA-5B62D9C6F78D}" type="datetimeFigureOut">
               <a:rPr lang="en-US" dirty="0"/>
-              <a:t>2/8/2018</a:t>
+              <a:t>2/10/2018</a:t>
             </a:fld>
             <a:endParaRPr lang="en-US" dirty="0"/>
           </a:p>
@@ -6795,7 +6799,7 @@
         <p:spPr/>
         <p:txBody>
           <a:bodyPr>
-            <a:normAutofit fontScale="90000"/>
+            <a:normAutofit/>
           </a:bodyPr>
           <a:lstStyle/>
           <a:p>
@@ -7013,7 +7017,7 @@
         <p:spPr/>
         <p:txBody>
           <a:bodyPr>
-            <a:normAutofit fontScale="90000"/>
+            <a:normAutofit/>
           </a:bodyPr>
           <a:lstStyle/>
           <a:p>
@@ -7421,7 +7425,7 @@
         </p:spPr>
         <p:txBody>
           <a:bodyPr>
-            <a:normAutofit fontScale="92500" lnSpcReduction="10000"/>
+            <a:normAutofit fontScale="92500" lnSpcReduction="20000"/>
           </a:bodyPr>
           <a:lstStyle/>
           <a:p>
@@ -7452,6 +7456,18 @@
                 <a:latin typeface="Adobe Caslon Pro" panose="0205050205050A020403"/>
               </a:rPr>
               <a:t> hit stuff at 10,000 ft and the speed of heat.</a:t>
+            </a:r>
+          </a:p>
+          <a:p>
+            <a:pPr lvl="1"/>
+            <a:r>
+              <a:rPr lang="en-US" sz="3200" dirty="0">
+                <a:solidFill>
+                  <a:schemeClr val="tx1"/>
+                </a:solidFill>
+                <a:latin typeface="Adobe Caslon Pro" panose="0205050205050A020403"/>
+              </a:rPr>
+              <a:t>This is getting turned into an online class</a:t>
             </a:r>
           </a:p>
           <a:p>
@@ -7900,7 +7916,7 @@
         </p:spPr>
         <p:txBody>
           <a:bodyPr>
-            <a:normAutofit lnSpcReduction="10000"/>
+            <a:normAutofit/>
           </a:bodyPr>
           <a:lstStyle/>
           <a:p>

--- a/Documents/Deck/Getting Started With Sparklyr.pptx
+++ b/Documents/Deck/Getting Started With Sparklyr.pptx
@@ -6,18 +6,17 @@
   </p:sldMasterIdLst>
   <p:sldIdLst>
     <p:sldId id="259" r:id="rId2"/>
-    <p:sldId id="346" r:id="rId3"/>
-    <p:sldId id="369" r:id="rId4"/>
-    <p:sldId id="349" r:id="rId5"/>
-    <p:sldId id="351" r:id="rId6"/>
-    <p:sldId id="353" r:id="rId7"/>
-    <p:sldId id="348" r:id="rId8"/>
-    <p:sldId id="350" r:id="rId9"/>
-    <p:sldId id="370" r:id="rId10"/>
-    <p:sldId id="356" r:id="rId11"/>
-    <p:sldId id="357" r:id="rId12"/>
-    <p:sldId id="359" r:id="rId13"/>
-    <p:sldId id="360" r:id="rId14"/>
+    <p:sldId id="349" r:id="rId3"/>
+    <p:sldId id="372" r:id="rId4"/>
+    <p:sldId id="351" r:id="rId5"/>
+    <p:sldId id="348" r:id="rId6"/>
+    <p:sldId id="371" r:id="rId7"/>
+    <p:sldId id="350" r:id="rId8"/>
+    <p:sldId id="370" r:id="rId9"/>
+    <p:sldId id="356" r:id="rId10"/>
+    <p:sldId id="357" r:id="rId11"/>
+    <p:sldId id="359" r:id="rId12"/>
+    <p:sldId id="360" r:id="rId13"/>
   </p:sldIdLst>
   <p:sldSz cx="12192000" cy="6858000"/>
   <p:notesSz cx="6858000" cy="9144000"/>
@@ -124,10 +123,6 @@
 </p:presentation>
 </file>
 
-<file path=ppt/revisionInfo.xml><?xml version="1.0" encoding="utf-8"?>
-<p1510:revInfo xmlns:a="http://schemas.openxmlformats.org/drawingml/2006/main" xmlns:r="http://schemas.openxmlformats.org/officeDocument/2006/relationships" xmlns:p1510="http://schemas.microsoft.com/office/powerpoint/2015/10/main"/>
-</file>
-
 <file path=ppt/slideLayouts/slideLayout1.xml><?xml version="1.0" encoding="utf-8"?>
 <p:sldLayout xmlns:a="http://schemas.openxmlformats.org/drawingml/2006/main" xmlns:r="http://schemas.openxmlformats.org/officeDocument/2006/relationships" xmlns:p="http://schemas.openxmlformats.org/presentationml/2006/main" type="title" preserve="1">
   <p:cSld name="Title Slide">
@@ -324,7 +319,7 @@
           <a:p>
             <a:fld id="{ECD19FB2-3AAB-4D03-B13A-2960828C78E3}" type="datetimeFigureOut">
               <a:rPr lang="en-US" dirty="0"/>
-              <a:t>2/10/2018</a:t>
+              <a:t>2/18/2018</a:t>
             </a:fld>
             <a:endParaRPr lang="en-US" dirty="0"/>
           </a:p>
@@ -605,7 +600,7 @@
           <a:p>
             <a:fld id="{1B80C674-7DFC-42FE-B9CD-82963CDB1557}" type="datetimeFigureOut">
               <a:rPr lang="en-US" dirty="0"/>
-              <a:t>2/10/2018</a:t>
+              <a:t>2/18/2018</a:t>
             </a:fld>
             <a:endParaRPr lang="en-US" dirty="0"/>
           </a:p>
@@ -796,7 +791,7 @@
           <a:p>
             <a:fld id="{2076456F-F47D-4F25-8053-2A695DA0CA7D}" type="datetimeFigureOut">
               <a:rPr lang="en-US" dirty="0"/>
-              <a:t>2/10/2018</a:t>
+              <a:t>2/18/2018</a:t>
             </a:fld>
             <a:endParaRPr lang="en-US" dirty="0"/>
           </a:p>
@@ -1056,7 +1051,7 @@
           <a:p>
             <a:fld id="{5D6C7379-69CC-4837-9905-BEBA22830C8A}" type="datetimeFigureOut">
               <a:rPr lang="en-US" dirty="0"/>
-              <a:t>2/10/2018</a:t>
+              <a:t>2/18/2018</a:t>
             </a:fld>
             <a:endParaRPr lang="en-US" dirty="0"/>
           </a:p>
@@ -1481,7 +1476,7 @@
           <a:p>
             <a:fld id="{49EB8B7E-8AEE-4F10-BFEE-C999AD004D36}" type="datetimeFigureOut">
               <a:rPr lang="en-US" dirty="0"/>
-              <a:t>2/10/2018</a:t>
+              <a:t>2/18/2018</a:t>
             </a:fld>
             <a:endParaRPr lang="en-US" dirty="0"/>
           </a:p>
@@ -2026,7 +2021,7 @@
           <a:p>
             <a:fld id="{8668F3F9-58BC-440B-B37B-805B9055EF92}" type="datetimeFigureOut">
               <a:rPr lang="en-US" dirty="0"/>
-              <a:t>2/10/2018</a:t>
+              <a:t>2/18/2018</a:t>
             </a:fld>
             <a:endParaRPr lang="en-US" dirty="0"/>
           </a:p>
@@ -2856,7 +2851,7 @@
           <a:p>
             <a:fld id="{0D5A53AF-48EA-489D-8260-9DCAB666386A}" type="datetimeFigureOut">
               <a:rPr lang="en-US" dirty="0"/>
-              <a:t>2/10/2018</a:t>
+              <a:t>2/18/2018</a:t>
             </a:fld>
             <a:endParaRPr lang="en-US" dirty="0"/>
           </a:p>
@@ -3025,7 +3020,7 @@
           <a:p>
             <a:fld id="{0DED02AE-B9A4-47BD-AF8E-97E16144138B}" type="datetimeFigureOut">
               <a:rPr lang="en-US" dirty="0"/>
-              <a:t>2/10/2018</a:t>
+              <a:t>2/18/2018</a:t>
             </a:fld>
             <a:endParaRPr lang="en-US" dirty="0"/>
           </a:p>
@@ -3204,7 +3199,7 @@
           <a:p>
             <a:fld id="{CF0FD78B-DB02-4362-BCDC-98A55456977C}" type="datetimeFigureOut">
               <a:rPr lang="en-US" dirty="0"/>
-              <a:t>2/10/2018</a:t>
+              <a:t>2/18/2018</a:t>
             </a:fld>
             <a:endParaRPr lang="en-US" dirty="0"/>
           </a:p>
@@ -3373,7 +3368,7 @@
           <a:p>
             <a:fld id="{99916976-5D93-46E4-A98A-FAD63E4D0EA8}" type="datetimeFigureOut">
               <a:rPr lang="en-US" dirty="0"/>
-              <a:t>2/10/2018</a:t>
+              <a:t>2/18/2018</a:t>
             </a:fld>
             <a:endParaRPr lang="en-US" dirty="0"/>
           </a:p>
@@ -3629,7 +3624,7 @@
           <a:p>
             <a:fld id="{0F39F4F5-F4D2-4D2A-AB60-88D37ADCB869}" type="datetimeFigureOut">
               <a:rPr lang="en-US" dirty="0"/>
-              <a:t>2/10/2018</a:t>
+              <a:t>2/18/2018</a:t>
             </a:fld>
             <a:endParaRPr lang="en-US" dirty="0"/>
           </a:p>
@@ -3860,7 +3855,7 @@
           <a:p>
             <a:fld id="{D23BC6CE-6D1E-47E5-8859-F31AC5380EB2}" type="datetimeFigureOut">
               <a:rPr lang="en-US" dirty="0"/>
-              <a:t>2/10/2018</a:t>
+              <a:t>2/18/2018</a:t>
             </a:fld>
             <a:endParaRPr lang="en-US" dirty="0"/>
           </a:p>
@@ -4252,7 +4247,7 @@
           <a:p>
             <a:fld id="{B1B4E7C4-4DA4-404D-9965-B13F2DD7D8BF}" type="datetimeFigureOut">
               <a:rPr lang="en-US" dirty="0"/>
-              <a:t>2/10/2018</a:t>
+              <a:t>2/18/2018</a:t>
             </a:fld>
             <a:endParaRPr lang="en-US" dirty="0"/>
           </a:p>
@@ -4369,7 +4364,7 @@
           <a:p>
             <a:fld id="{476FB7AA-4A53-424F-AD41-70827B6504BA}" type="datetimeFigureOut">
               <a:rPr lang="en-US" dirty="0"/>
-              <a:t>2/10/2018</a:t>
+              <a:t>2/18/2018</a:t>
             </a:fld>
             <a:endParaRPr lang="en-US" dirty="0"/>
           </a:p>
@@ -4463,7 +4458,7 @@
           <a:p>
             <a:fld id="{E7884882-FB12-4BC8-9960-9AD8104D7FAE}" type="datetimeFigureOut">
               <a:rPr lang="en-US" dirty="0"/>
-              <a:t>2/10/2018</a:t>
+              <a:t>2/18/2018</a:t>
             </a:fld>
             <a:endParaRPr lang="en-US" dirty="0"/>
           </a:p>
@@ -4735,7 +4730,7 @@
           <a:p>
             <a:fld id="{F7D1BD23-6E54-4D9D-AD88-A2813C73CC25}" type="datetimeFigureOut">
               <a:rPr lang="en-US" dirty="0"/>
-              <a:t>2/10/2018</a:t>
+              <a:t>2/18/2018</a:t>
             </a:fld>
             <a:endParaRPr lang="en-US" dirty="0"/>
           </a:p>
@@ -5015,7 +5010,7 @@
           <a:p>
             <a:fld id="{1471A834-4F3C-4AF9-9C74-05EC35A0F292}" type="datetimeFigureOut">
               <a:rPr lang="en-US" dirty="0"/>
-              <a:t>2/10/2018</a:t>
+              <a:t>2/18/2018</a:t>
             </a:fld>
             <a:endParaRPr lang="en-US" dirty="0"/>
           </a:p>
@@ -5254,7 +5249,7 @@
           <a:p>
             <a:fld id="{51CF1133-3259-4C45-BABA-5B62D9C6F78D}" type="datetimeFigureOut">
               <a:rPr lang="en-US" dirty="0"/>
-              <a:t>2/10/2018</a:t>
+              <a:t>2/18/2018</a:t>
             </a:fld>
             <a:endParaRPr lang="en-US" dirty="0"/>
           </a:p>
@@ -6000,263 +5995,6 @@
                 </a:solidFill>
                 <a:latin typeface="Adobe Caslon Pro" panose="0205050205050A020403" pitchFamily="18" charset="0"/>
               </a:rPr>
-              <a:t>What is </a:t>
-            </a:r>
-            <a:r>
-              <a:rPr lang="en-US" sz="4000" dirty="0" err="1">
-                <a:solidFill>
-                  <a:schemeClr val="tx1"/>
-                </a:solidFill>
-                <a:latin typeface="Adobe Caslon Pro" panose="0205050205050A020403" pitchFamily="18" charset="0"/>
-              </a:rPr>
-              <a:t>SparkSQL</a:t>
-            </a:r>
-            <a:r>
-              <a:rPr lang="en-US" sz="4000" dirty="0">
-                <a:solidFill>
-                  <a:schemeClr val="tx1"/>
-                </a:solidFill>
-                <a:latin typeface="Adobe Caslon Pro" panose="0205050205050A020403" pitchFamily="18" charset="0"/>
-              </a:rPr>
-              <a:t>?</a:t>
-            </a:r>
-          </a:p>
-        </p:txBody>
-      </p:sp>
-      <p:sp>
-        <p:nvSpPr>
-          <p:cNvPr id="3" name="Content Placeholder 2"/>
-          <p:cNvSpPr>
-            <a:spLocks noGrp="1"/>
-          </p:cNvSpPr>
-          <p:nvPr>
-            <p:ph idx="1"/>
-          </p:nvPr>
-        </p:nvSpPr>
-        <p:spPr>
-          <a:xfrm>
-            <a:off x="838200" y="1825625"/>
-            <a:ext cx="10233800" cy="4351338"/>
-          </a:xfrm>
-        </p:spPr>
-        <p:txBody>
-          <a:bodyPr>
-            <a:normAutofit fontScale="92500" lnSpcReduction="20000"/>
-          </a:bodyPr>
-          <a:lstStyle/>
-          <a:p>
-            <a:r>
-              <a:rPr lang="en-US" sz="3200" dirty="0">
-                <a:solidFill>
-                  <a:schemeClr val="tx1"/>
-                </a:solidFill>
-                <a:latin typeface="Adobe Caslon Pro" panose="0205050205050A020403"/>
-              </a:rPr>
-              <a:t>The new way to interact with Spark.</a:t>
-            </a:r>
-          </a:p>
-          <a:p>
-            <a:endParaRPr lang="en-US" sz="3200" dirty="0">
-              <a:solidFill>
-                <a:schemeClr val="tx1"/>
-              </a:solidFill>
-              <a:latin typeface="Adobe Caslon Pro" panose="0205050205050A020403"/>
-            </a:endParaRPr>
-          </a:p>
-          <a:p>
-            <a:r>
-              <a:rPr lang="en-US" sz="3200" dirty="0">
-                <a:solidFill>
-                  <a:schemeClr val="tx1"/>
-                </a:solidFill>
-                <a:latin typeface="Adobe Caslon Pro" panose="0205050205050A020403"/>
-              </a:rPr>
-              <a:t>Another SQL on big data implementation.</a:t>
-            </a:r>
-          </a:p>
-          <a:p>
-            <a:endParaRPr lang="en-US" sz="3200" dirty="0">
-              <a:solidFill>
-                <a:schemeClr val="tx1"/>
-              </a:solidFill>
-              <a:latin typeface="Adobe Caslon Pro" panose="0205050205050A020403"/>
-            </a:endParaRPr>
-          </a:p>
-          <a:p>
-            <a:r>
-              <a:rPr lang="en-US" sz="3200" dirty="0">
-                <a:solidFill>
-                  <a:schemeClr val="tx1"/>
-                </a:solidFill>
-                <a:latin typeface="Adobe Caslon Pro" panose="0205050205050A020403"/>
-              </a:rPr>
-              <a:t>Allows you to write SQL statements against a spark cluster.</a:t>
-            </a:r>
-          </a:p>
-          <a:p>
-            <a:endParaRPr lang="en-US" sz="3200" dirty="0">
-              <a:solidFill>
-                <a:schemeClr val="tx1"/>
-              </a:solidFill>
-              <a:latin typeface="Adobe Caslon Pro" panose="0205050205050A020403"/>
-            </a:endParaRPr>
-          </a:p>
-          <a:p>
-            <a:r>
-              <a:rPr lang="en-US" sz="3200" dirty="0">
-                <a:solidFill>
-                  <a:schemeClr val="tx1"/>
-                </a:solidFill>
-                <a:latin typeface="Adobe Caslon Pro" panose="0205050205050A020403"/>
-              </a:rPr>
-              <a:t>You can use straight SQL or </a:t>
-            </a:r>
-            <a:r>
-              <a:rPr lang="en-US" sz="3200" dirty="0" err="1">
-                <a:solidFill>
-                  <a:schemeClr val="tx1"/>
-                </a:solidFill>
-                <a:latin typeface="Adobe Caslon Pro" panose="0205050205050A020403"/>
-              </a:rPr>
-              <a:t>dplyr</a:t>
-            </a:r>
-            <a:r>
-              <a:rPr lang="en-US" sz="3200" dirty="0">
-                <a:solidFill>
-                  <a:schemeClr val="tx1"/>
-                </a:solidFill>
-                <a:latin typeface="Adobe Caslon Pro" panose="0205050205050A020403"/>
-              </a:rPr>
-              <a:t> techniques</a:t>
-            </a:r>
-          </a:p>
-          <a:p>
-            <a:endParaRPr lang="en-US" sz="3200" dirty="0">
-              <a:solidFill>
-                <a:schemeClr val="tx1"/>
-              </a:solidFill>
-              <a:latin typeface="Adobe Caslon Pro" panose="0205050205050A020403"/>
-            </a:endParaRPr>
-          </a:p>
-          <a:p>
-            <a:r>
-              <a:rPr lang="en-US" sz="3200" dirty="0">
-                <a:solidFill>
-                  <a:schemeClr val="tx1"/>
-                </a:solidFill>
-                <a:latin typeface="Adobe Caslon Pro" panose="0205050205050A020403"/>
-              </a:rPr>
-              <a:t>All super easy with R.</a:t>
-            </a:r>
-          </a:p>
-          <a:p>
-            <a:endParaRPr lang="en-US" sz="3200" dirty="0">
-              <a:solidFill>
-                <a:schemeClr val="tx1"/>
-              </a:solidFill>
-              <a:latin typeface="Adobe Caslon Pro" panose="0205050205050A020403"/>
-            </a:endParaRPr>
-          </a:p>
-          <a:p>
-            <a:endParaRPr lang="en-US" sz="3200" dirty="0">
-              <a:solidFill>
-                <a:schemeClr val="tx1"/>
-              </a:solidFill>
-              <a:latin typeface="Adobe Caslon Pro" panose="0205050205050A020403"/>
-            </a:endParaRPr>
-          </a:p>
-        </p:txBody>
-      </p:sp>
-      <p:pic>
-        <p:nvPicPr>
-          <p:cNvPr id="4" name="Picture 3"/>
-          <p:cNvPicPr>
-            <a:picLocks noChangeAspect="1"/>
-          </p:cNvPicPr>
-          <p:nvPr/>
-        </p:nvPicPr>
-        <p:blipFill>
-          <a:blip r:embed="rId2">
-            <a:extLst>
-              <a:ext uri="{28A0092B-C50C-407E-A947-70E740481C1C}">
-                <a14:useLocalDpi xmlns:a14="http://schemas.microsoft.com/office/drawing/2010/main" val="0"/>
-              </a:ext>
-            </a:extLst>
-          </a:blip>
-          <a:stretch>
-            <a:fillRect/>
-          </a:stretch>
-        </p:blipFill>
-        <p:spPr>
-          <a:xfrm>
-            <a:off x="10312400" y="5722722"/>
-            <a:ext cx="1879600" cy="1135278"/>
-          </a:xfrm>
-          <a:prstGeom prst="rect">
-            <a:avLst/>
-          </a:prstGeom>
-        </p:spPr>
-      </p:pic>
-    </p:spTree>
-    <p:extLst>
-      <p:ext uri="{BB962C8B-B14F-4D97-AF65-F5344CB8AC3E}">
-        <p14:creationId xmlns:p14="http://schemas.microsoft.com/office/powerpoint/2010/main" val="1753332999"/>
-      </p:ext>
-    </p:extLst>
-  </p:cSld>
-  <p:clrMapOvr>
-    <a:masterClrMapping/>
-  </p:clrMapOvr>
-</p:sld>
-</file>
-
-<file path=ppt/slides/slide11.xml><?xml version="1.0" encoding="utf-8"?>
-<p:sld xmlns:a="http://schemas.openxmlformats.org/drawingml/2006/main" xmlns:r="http://schemas.openxmlformats.org/officeDocument/2006/relationships" xmlns:p="http://schemas.openxmlformats.org/presentationml/2006/main">
-  <p:cSld>
-    <p:spTree>
-      <p:nvGrpSpPr>
-        <p:cNvPr id="1" name=""/>
-        <p:cNvGrpSpPr/>
-        <p:nvPr/>
-      </p:nvGrpSpPr>
-      <p:grpSpPr>
-        <a:xfrm>
-          <a:off x="0" y="0"/>
-          <a:ext cx="0" cy="0"/>
-          <a:chOff x="0" y="0"/>
-          <a:chExt cx="0" cy="0"/>
-        </a:xfrm>
-      </p:grpSpPr>
-      <p:sp>
-        <p:nvSpPr>
-          <p:cNvPr id="2" name="Title 1"/>
-          <p:cNvSpPr>
-            <a:spLocks noGrp="1"/>
-          </p:cNvSpPr>
-          <p:nvPr>
-            <p:ph type="title"/>
-          </p:nvPr>
-        </p:nvSpPr>
-        <p:spPr>
-          <a:xfrm>
-            <a:off x="838200" y="356658"/>
-            <a:ext cx="10515600" cy="1325563"/>
-          </a:xfrm>
-        </p:spPr>
-        <p:txBody>
-          <a:bodyPr>
-            <a:normAutofit/>
-          </a:bodyPr>
-          <a:lstStyle/>
-          <a:p>
-            <a:pPr algn="ctr"/>
-            <a:r>
-              <a:rPr lang="en-US" sz="4000" dirty="0">
-                <a:solidFill>
-                  <a:schemeClr val="tx1"/>
-                </a:solidFill>
-                <a:latin typeface="Adobe Caslon Pro" panose="0205050205050A020403" pitchFamily="18" charset="0"/>
-              </a:rPr>
               <a:t>Cluster Connection Methods</a:t>
             </a:r>
           </a:p>
@@ -6458,7 +6196,7 @@
 </p:sld>
 </file>
 
-<file path=ppt/slides/slide12.xml><?xml version="1.0" encoding="utf-8"?>
+<file path=ppt/slides/slide11.xml><?xml version="1.0" encoding="utf-8"?>
 <p:sld xmlns:a="http://schemas.openxmlformats.org/drawingml/2006/main" xmlns:r="http://schemas.openxmlformats.org/officeDocument/2006/relationships" xmlns:p="http://schemas.openxmlformats.org/presentationml/2006/main">
   <p:cSld>
     <p:spTree>
@@ -6674,7 +6412,7 @@
 </p:sld>
 </file>
 
-<file path=ppt/slides/slide13.xml><?xml version="1.0" encoding="utf-8"?>
+<file path=ppt/slides/slide12.xml><?xml version="1.0" encoding="utf-8"?>
 <p:sld xmlns:a="http://schemas.openxmlformats.org/drawingml/2006/main" xmlns:r="http://schemas.openxmlformats.org/officeDocument/2006/relationships" xmlns:p="http://schemas.openxmlformats.org/presentationml/2006/main">
   <p:cSld>
     <p:spTree>
@@ -6811,420 +6549,6 @@
                 </a:solidFill>
                 <a:latin typeface="Adobe Caslon Pro" panose="0205050205050A020403" pitchFamily="18" charset="0"/>
               </a:rPr>
-              <a:t>I’m hiring a Data Science Intern</a:t>
-            </a:r>
-          </a:p>
-        </p:txBody>
-      </p:sp>
-      <p:sp>
-        <p:nvSpPr>
-          <p:cNvPr id="3" name="Content Placeholder 2"/>
-          <p:cNvSpPr>
-            <a:spLocks noGrp="1"/>
-          </p:cNvSpPr>
-          <p:nvPr>
-            <p:ph idx="1"/>
-          </p:nvPr>
-        </p:nvSpPr>
-        <p:spPr>
-          <a:xfrm>
-            <a:off x="838199" y="1690688"/>
-            <a:ext cx="9736667" cy="3135312"/>
-          </a:xfrm>
-        </p:spPr>
-        <p:txBody>
-          <a:bodyPr>
-            <a:noAutofit/>
-          </a:bodyPr>
-          <a:lstStyle/>
-          <a:p>
-            <a:r>
-              <a:rPr lang="en-US" sz="3600" dirty="0">
-                <a:solidFill>
-                  <a:schemeClr val="tx1"/>
-                </a:solidFill>
-                <a:latin typeface="Adobe Caslon Pro" panose="0205050205050A020403" pitchFamily="18" charset="0"/>
-              </a:rPr>
-              <a:t>Start date sometime in March</a:t>
-            </a:r>
-          </a:p>
-          <a:p>
-            <a:endParaRPr lang="en-US" sz="3600" dirty="0">
-              <a:solidFill>
-                <a:schemeClr val="tx1"/>
-              </a:solidFill>
-              <a:latin typeface="Adobe Caslon Pro" panose="0205050205050A020403" pitchFamily="18" charset="0"/>
-            </a:endParaRPr>
-          </a:p>
-          <a:p>
-            <a:r>
-              <a:rPr lang="en-US" sz="3600" dirty="0">
-                <a:solidFill>
-                  <a:schemeClr val="tx1"/>
-                </a:solidFill>
-                <a:latin typeface="Adobe Caslon Pro" panose="0205050205050A020403" pitchFamily="18" charset="0"/>
-              </a:rPr>
-              <a:t>Three projects</a:t>
-            </a:r>
-          </a:p>
-          <a:p>
-            <a:pPr lvl="1"/>
-            <a:r>
-              <a:rPr lang="en-US" sz="3200" dirty="0">
-                <a:solidFill>
-                  <a:schemeClr val="tx1"/>
-                </a:solidFill>
-                <a:latin typeface="Adobe Caslon Pro" panose="0205050205050A020403" pitchFamily="18" charset="0"/>
-              </a:rPr>
-              <a:t>Convert some old R to Python</a:t>
-            </a:r>
-          </a:p>
-          <a:p>
-            <a:pPr lvl="1"/>
-            <a:r>
-              <a:rPr lang="en-US" sz="3200" dirty="0">
-                <a:solidFill>
-                  <a:schemeClr val="tx1"/>
-                </a:solidFill>
-                <a:latin typeface="Adobe Caslon Pro" panose="0205050205050A020403" pitchFamily="18" charset="0"/>
-              </a:rPr>
-              <a:t>Help me update a model using </a:t>
-            </a:r>
-            <a:r>
-              <a:rPr lang="en-US" sz="3200" dirty="0" err="1">
-                <a:solidFill>
-                  <a:schemeClr val="tx1"/>
-                </a:solidFill>
-                <a:latin typeface="Adobe Caslon Pro" panose="0205050205050A020403" pitchFamily="18" charset="0"/>
-              </a:rPr>
-              <a:t>Keras</a:t>
-            </a:r>
-            <a:r>
-              <a:rPr lang="en-US" sz="3200" dirty="0">
-                <a:solidFill>
-                  <a:schemeClr val="tx1"/>
-                </a:solidFill>
-                <a:latin typeface="Adobe Caslon Pro" panose="0205050205050A020403" pitchFamily="18" charset="0"/>
-              </a:rPr>
-              <a:t> and </a:t>
-            </a:r>
-            <a:r>
-              <a:rPr lang="en-US" sz="3200" dirty="0" err="1">
-                <a:solidFill>
-                  <a:schemeClr val="tx1"/>
-                </a:solidFill>
-                <a:latin typeface="Adobe Caslon Pro" panose="0205050205050A020403" pitchFamily="18" charset="0"/>
-              </a:rPr>
-              <a:t>Tensorflow</a:t>
-            </a:r>
-            <a:endParaRPr lang="en-US" sz="3200" dirty="0">
-              <a:solidFill>
-                <a:schemeClr val="tx1"/>
-              </a:solidFill>
-              <a:latin typeface="Adobe Caslon Pro" panose="0205050205050A020403" pitchFamily="18" charset="0"/>
-            </a:endParaRPr>
-          </a:p>
-          <a:p>
-            <a:pPr lvl="1"/>
-            <a:r>
-              <a:rPr lang="en-US" sz="3200" dirty="0">
-                <a:solidFill>
-                  <a:schemeClr val="tx1"/>
-                </a:solidFill>
-                <a:latin typeface="Adobe Caslon Pro" panose="0205050205050A020403" pitchFamily="18" charset="0"/>
-              </a:rPr>
-              <a:t>Create a dashboard using R</a:t>
-            </a:r>
-            <a:endParaRPr lang="en-US" sz="3600" dirty="0">
-              <a:solidFill>
-                <a:schemeClr val="tx1"/>
-              </a:solidFill>
-              <a:latin typeface="Adobe Caslon Pro" panose="0205050205050A020403" pitchFamily="18" charset="0"/>
-            </a:endParaRPr>
-          </a:p>
-        </p:txBody>
-      </p:sp>
-      <p:pic>
-        <p:nvPicPr>
-          <p:cNvPr id="4" name="Picture 3"/>
-          <p:cNvPicPr>
-            <a:picLocks noChangeAspect="1"/>
-          </p:cNvPicPr>
-          <p:nvPr/>
-        </p:nvPicPr>
-        <p:blipFill>
-          <a:blip r:embed="rId2">
-            <a:extLst>
-              <a:ext uri="{28A0092B-C50C-407E-A947-70E740481C1C}">
-                <a14:useLocalDpi xmlns:a14="http://schemas.microsoft.com/office/drawing/2010/main" val="0"/>
-              </a:ext>
-            </a:extLst>
-          </a:blip>
-          <a:stretch>
-            <a:fillRect/>
-          </a:stretch>
-        </p:blipFill>
-        <p:spPr>
-          <a:xfrm>
-            <a:off x="10312400" y="5722722"/>
-            <a:ext cx="1879600" cy="1135278"/>
-          </a:xfrm>
-          <a:prstGeom prst="rect">
-            <a:avLst/>
-          </a:prstGeom>
-        </p:spPr>
-      </p:pic>
-    </p:spTree>
-    <p:extLst>
-      <p:ext uri="{BB962C8B-B14F-4D97-AF65-F5344CB8AC3E}">
-        <p14:creationId xmlns:p14="http://schemas.microsoft.com/office/powerpoint/2010/main" val="2428707620"/>
-      </p:ext>
-    </p:extLst>
-  </p:cSld>
-  <p:clrMapOvr>
-    <a:masterClrMapping/>
-  </p:clrMapOvr>
-</p:sld>
-</file>
-
-<file path=ppt/slides/slide3.xml><?xml version="1.0" encoding="utf-8"?>
-<p:sld xmlns:a="http://schemas.openxmlformats.org/drawingml/2006/main" xmlns:r="http://schemas.openxmlformats.org/officeDocument/2006/relationships" xmlns:p="http://schemas.openxmlformats.org/presentationml/2006/main">
-  <p:cSld>
-    <p:spTree>
-      <p:nvGrpSpPr>
-        <p:cNvPr id="1" name=""/>
-        <p:cNvGrpSpPr/>
-        <p:nvPr/>
-      </p:nvGrpSpPr>
-      <p:grpSpPr>
-        <a:xfrm>
-          <a:off x="0" y="0"/>
-          <a:ext cx="0" cy="0"/>
-          <a:chOff x="0" y="0"/>
-          <a:chExt cx="0" cy="0"/>
-        </a:xfrm>
-      </p:grpSpPr>
-      <p:sp>
-        <p:nvSpPr>
-          <p:cNvPr id="2" name="Title 1"/>
-          <p:cNvSpPr>
-            <a:spLocks noGrp="1"/>
-          </p:cNvSpPr>
-          <p:nvPr>
-            <p:ph type="title"/>
-          </p:nvPr>
-        </p:nvSpPr>
-        <p:spPr/>
-        <p:txBody>
-          <a:bodyPr>
-            <a:normAutofit/>
-          </a:bodyPr>
-          <a:lstStyle/>
-          <a:p>
-            <a:pPr algn="ctr"/>
-            <a:r>
-              <a:rPr lang="en-US" sz="6000" dirty="0">
-                <a:solidFill>
-                  <a:schemeClr val="tx1"/>
-                </a:solidFill>
-                <a:latin typeface="Adobe Caslon Pro" panose="0205050205050A020403" pitchFamily="18" charset="0"/>
-              </a:rPr>
-              <a:t>I’m hiring a Data Science Intern</a:t>
-            </a:r>
-          </a:p>
-        </p:txBody>
-      </p:sp>
-      <p:sp>
-        <p:nvSpPr>
-          <p:cNvPr id="3" name="Content Placeholder 2"/>
-          <p:cNvSpPr>
-            <a:spLocks noGrp="1"/>
-          </p:cNvSpPr>
-          <p:nvPr>
-            <p:ph idx="1"/>
-          </p:nvPr>
-        </p:nvSpPr>
-        <p:spPr>
-          <a:xfrm>
-            <a:off x="838199" y="1690688"/>
-            <a:ext cx="9736667" cy="4316412"/>
-          </a:xfrm>
-        </p:spPr>
-        <p:txBody>
-          <a:bodyPr>
-            <a:noAutofit/>
-          </a:bodyPr>
-          <a:lstStyle/>
-          <a:p>
-            <a:r>
-              <a:rPr lang="en-US" sz="3600" dirty="0">
-                <a:solidFill>
-                  <a:schemeClr val="tx1"/>
-                </a:solidFill>
-                <a:latin typeface="Adobe Caslon Pro" panose="0205050205050A020403" pitchFamily="18" charset="0"/>
-              </a:rPr>
-              <a:t>Pay between $10 and $15 depending on experience</a:t>
-            </a:r>
-          </a:p>
-          <a:p>
-            <a:endParaRPr lang="en-US" sz="3600" dirty="0">
-              <a:solidFill>
-                <a:schemeClr val="tx1"/>
-              </a:solidFill>
-              <a:latin typeface="Adobe Caslon Pro" panose="0205050205050A020403" pitchFamily="18" charset="0"/>
-            </a:endParaRPr>
-          </a:p>
-          <a:p>
-            <a:r>
-              <a:rPr lang="en-US" sz="3600" dirty="0">
-                <a:solidFill>
-                  <a:schemeClr val="tx1"/>
-                </a:solidFill>
-                <a:latin typeface="Adobe Caslon Pro" panose="0205050205050A020403" pitchFamily="18" charset="0"/>
-              </a:rPr>
-              <a:t>Prefer a student. Will take a working adult.</a:t>
-            </a:r>
-          </a:p>
-          <a:p>
-            <a:pPr lvl="1"/>
-            <a:r>
-              <a:rPr lang="en-US" sz="3200" dirty="0">
-                <a:solidFill>
-                  <a:schemeClr val="tx1"/>
-                </a:solidFill>
-                <a:latin typeface="Adobe Caslon Pro" panose="0205050205050A020403" pitchFamily="18" charset="0"/>
-              </a:rPr>
-              <a:t>Age is not a factor in pay.</a:t>
-            </a:r>
-          </a:p>
-          <a:p>
-            <a:pPr lvl="1"/>
-            <a:endParaRPr lang="en-US" sz="3200" dirty="0">
-              <a:solidFill>
-                <a:schemeClr val="tx1"/>
-              </a:solidFill>
-              <a:latin typeface="Adobe Caslon Pro" panose="0205050205050A020403" pitchFamily="18" charset="0"/>
-            </a:endParaRPr>
-          </a:p>
-          <a:p>
-            <a:r>
-              <a:rPr lang="en-US" sz="3600" dirty="0">
-                <a:solidFill>
-                  <a:schemeClr val="tx1"/>
-                </a:solidFill>
-                <a:latin typeface="Adobe Caslon Pro" panose="0205050205050A020403" pitchFamily="18" charset="0"/>
-              </a:rPr>
-              <a:t>Send resumes to Bob@MassStreet.net</a:t>
-            </a:r>
-          </a:p>
-          <a:p>
-            <a:pPr lvl="1"/>
-            <a:r>
-              <a:rPr lang="en-US" sz="3200" dirty="0">
-                <a:solidFill>
-                  <a:schemeClr val="tx1"/>
-                </a:solidFill>
-                <a:latin typeface="Adobe Caslon Pro" panose="0205050205050A020403" pitchFamily="18" charset="0"/>
-              </a:rPr>
-              <a:t>Don’t message me over MeetUp.</a:t>
-            </a:r>
-          </a:p>
-          <a:p>
-            <a:pPr lvl="1"/>
-            <a:endParaRPr lang="en-US" sz="3200" dirty="0">
-              <a:solidFill>
-                <a:schemeClr val="tx1"/>
-              </a:solidFill>
-              <a:latin typeface="Adobe Caslon Pro" panose="0205050205050A020403" pitchFamily="18" charset="0"/>
-            </a:endParaRPr>
-          </a:p>
-        </p:txBody>
-      </p:sp>
-      <p:pic>
-        <p:nvPicPr>
-          <p:cNvPr id="4" name="Picture 3"/>
-          <p:cNvPicPr>
-            <a:picLocks noChangeAspect="1"/>
-          </p:cNvPicPr>
-          <p:nvPr/>
-        </p:nvPicPr>
-        <p:blipFill>
-          <a:blip r:embed="rId2">
-            <a:extLst>
-              <a:ext uri="{28A0092B-C50C-407E-A947-70E740481C1C}">
-                <a14:useLocalDpi xmlns:a14="http://schemas.microsoft.com/office/drawing/2010/main" val="0"/>
-              </a:ext>
-            </a:extLst>
-          </a:blip>
-          <a:stretch>
-            <a:fillRect/>
-          </a:stretch>
-        </p:blipFill>
-        <p:spPr>
-          <a:xfrm>
-            <a:off x="10312400" y="5722722"/>
-            <a:ext cx="1879600" cy="1135278"/>
-          </a:xfrm>
-          <a:prstGeom prst="rect">
-            <a:avLst/>
-          </a:prstGeom>
-        </p:spPr>
-      </p:pic>
-    </p:spTree>
-    <p:extLst>
-      <p:ext uri="{BB962C8B-B14F-4D97-AF65-F5344CB8AC3E}">
-        <p14:creationId xmlns:p14="http://schemas.microsoft.com/office/powerpoint/2010/main" val="3017154423"/>
-      </p:ext>
-    </p:extLst>
-  </p:cSld>
-  <p:clrMapOvr>
-    <a:masterClrMapping/>
-  </p:clrMapOvr>
-</p:sld>
-</file>
-
-<file path=ppt/slides/slide4.xml><?xml version="1.0" encoding="utf-8"?>
-<p:sld xmlns:a="http://schemas.openxmlformats.org/drawingml/2006/main" xmlns:r="http://schemas.openxmlformats.org/officeDocument/2006/relationships" xmlns:p="http://schemas.openxmlformats.org/presentationml/2006/main">
-  <p:cSld>
-    <p:spTree>
-      <p:nvGrpSpPr>
-        <p:cNvPr id="1" name=""/>
-        <p:cNvGrpSpPr/>
-        <p:nvPr/>
-      </p:nvGrpSpPr>
-      <p:grpSpPr>
-        <a:xfrm>
-          <a:off x="0" y="0"/>
-          <a:ext cx="0" cy="0"/>
-          <a:chOff x="0" y="0"/>
-          <a:chExt cx="0" cy="0"/>
-        </a:xfrm>
-      </p:grpSpPr>
-      <p:sp>
-        <p:nvSpPr>
-          <p:cNvPr id="2" name="Title 1"/>
-          <p:cNvSpPr>
-            <a:spLocks noGrp="1"/>
-          </p:cNvSpPr>
-          <p:nvPr>
-            <p:ph type="title"/>
-          </p:nvPr>
-        </p:nvSpPr>
-        <p:spPr/>
-        <p:txBody>
-          <a:bodyPr>
-            <a:normAutofit/>
-          </a:bodyPr>
-          <a:lstStyle/>
-          <a:p>
-            <a:pPr algn="ctr"/>
-            <a:r>
-              <a:rPr lang="en-US" sz="6000" dirty="0">
-                <a:solidFill>
-                  <a:schemeClr val="tx1"/>
-                </a:solidFill>
-                <a:latin typeface="Adobe Caslon Pro" panose="0205050205050A020403" pitchFamily="18" charset="0"/>
-              </a:rPr>
               <a:t>Follow Me!</a:t>
             </a:r>
           </a:p>
@@ -7360,7 +6684,7 @@
 </p:sld>
 </file>
 
-<file path=ppt/slides/slide5.xml><?xml version="1.0" encoding="utf-8"?>
+<file path=ppt/slides/slide3.xml><?xml version="1.0" encoding="utf-8"?>
 <p:sld xmlns:a="http://schemas.openxmlformats.org/drawingml/2006/main" xmlns:r="http://schemas.openxmlformats.org/officeDocument/2006/relationships" xmlns:p="http://schemas.openxmlformats.org/presentationml/2006/main">
   <p:cSld>
     <p:spTree>
@@ -7390,6 +6714,287 @@
         <p:spPr/>
         <p:txBody>
           <a:bodyPr>
+            <a:normAutofit fontScale="90000"/>
+          </a:bodyPr>
+          <a:lstStyle/>
+          <a:p>
+            <a:pPr algn="ctr"/>
+            <a:r>
+              <a:rPr lang="en-US" sz="6000" dirty="0">
+                <a:solidFill>
+                  <a:schemeClr val="tx1"/>
+                </a:solidFill>
+                <a:latin typeface="Adobe Caslon Pro" panose="0205050205050A020403" pitchFamily="18" charset="0"/>
+              </a:rPr>
+              <a:t>About Mass Street’s Hands-On Series Of Courses</a:t>
+            </a:r>
+          </a:p>
+        </p:txBody>
+      </p:sp>
+      <p:sp>
+        <p:nvSpPr>
+          <p:cNvPr id="3" name="Content Placeholder 2"/>
+          <p:cNvSpPr>
+            <a:spLocks noGrp="1"/>
+          </p:cNvSpPr>
+          <p:nvPr>
+            <p:ph idx="1"/>
+          </p:nvPr>
+        </p:nvSpPr>
+        <p:spPr>
+          <a:xfrm>
+            <a:off x="838200" y="2039270"/>
+            <a:ext cx="10233800" cy="4351338"/>
+          </a:xfrm>
+        </p:spPr>
+        <p:txBody>
+          <a:bodyPr>
+            <a:noAutofit/>
+          </a:bodyPr>
+          <a:lstStyle/>
+          <a:p>
+            <a:r>
+              <a:rPr lang="en-US" sz="2000" dirty="0">
+                <a:solidFill>
+                  <a:schemeClr val="tx1"/>
+                </a:solidFill>
+                <a:latin typeface="Adobe Caslon Pro" panose="0205050205050A020403" pitchFamily="18" charset="0"/>
+              </a:rPr>
+              <a:t>Designed to introduce students to various data management concepts</a:t>
+            </a:r>
+          </a:p>
+          <a:p>
+            <a:endParaRPr lang="en-US" sz="2000" dirty="0">
+              <a:solidFill>
+                <a:schemeClr val="tx1"/>
+              </a:solidFill>
+              <a:latin typeface="Adobe Caslon Pro" panose="0205050205050A020403" pitchFamily="18" charset="0"/>
+            </a:endParaRPr>
+          </a:p>
+          <a:p>
+            <a:r>
+              <a:rPr lang="en-US" sz="2000" dirty="0">
+                <a:solidFill>
+                  <a:schemeClr val="tx1"/>
+                </a:solidFill>
+                <a:latin typeface="Adobe Caslon Pro" panose="0205050205050A020403" pitchFamily="18" charset="0"/>
+              </a:rPr>
+              <a:t>All classes are introductory in nature and do not do “deep dives” into any one topic</a:t>
+            </a:r>
+          </a:p>
+          <a:p>
+            <a:endParaRPr lang="en-US" sz="2000" dirty="0">
+              <a:solidFill>
+                <a:schemeClr val="tx1"/>
+              </a:solidFill>
+              <a:latin typeface="Adobe Caslon Pro" panose="0205050205050A020403" pitchFamily="18" charset="0"/>
+            </a:endParaRPr>
+          </a:p>
+          <a:p>
+            <a:r>
+              <a:rPr lang="en-US" sz="2000" dirty="0">
+                <a:solidFill>
+                  <a:schemeClr val="tx1"/>
+                </a:solidFill>
+                <a:latin typeface="Adobe Caslon Pro" panose="0205050205050A020403" pitchFamily="18" charset="0"/>
+              </a:rPr>
+              <a:t>Every course has labs to reinforce learning</a:t>
+            </a:r>
+          </a:p>
+          <a:p>
+            <a:endParaRPr lang="en-US" sz="2000" dirty="0">
+              <a:solidFill>
+                <a:schemeClr val="tx1"/>
+              </a:solidFill>
+              <a:latin typeface="Adobe Caslon Pro" panose="0205050205050A020403" pitchFamily="18" charset="0"/>
+            </a:endParaRPr>
+          </a:p>
+          <a:p>
+            <a:r>
+              <a:rPr lang="en-US" sz="2000" dirty="0">
+                <a:solidFill>
+                  <a:schemeClr val="tx1"/>
+                </a:solidFill>
+                <a:latin typeface="Adobe Caslon Pro" panose="0205050205050A020403" pitchFamily="18" charset="0"/>
+              </a:rPr>
+              <a:t>All classes end with recommendations on how to continue your learning</a:t>
+            </a:r>
+          </a:p>
+          <a:p>
+            <a:endParaRPr lang="en-US" sz="2000" dirty="0">
+              <a:solidFill>
+                <a:schemeClr val="tx1"/>
+              </a:solidFill>
+              <a:latin typeface="Adobe Caslon Pro" panose="0205050205050A020403" pitchFamily="18" charset="0"/>
+            </a:endParaRPr>
+          </a:p>
+          <a:p>
+            <a:r>
+              <a:rPr lang="en-US" sz="2000" dirty="0">
+                <a:solidFill>
+                  <a:schemeClr val="tx1"/>
+                </a:solidFill>
+                <a:latin typeface="Adobe Caslon Pro" panose="0205050205050A020403" pitchFamily="18" charset="0"/>
+              </a:rPr>
+              <a:t>Anybody is welcome to take the course</a:t>
+            </a:r>
+          </a:p>
+          <a:p>
+            <a:endParaRPr lang="en-US" sz="2000" dirty="0">
+              <a:solidFill>
+                <a:schemeClr val="tx1"/>
+              </a:solidFill>
+              <a:latin typeface="Adobe Caslon Pro" panose="0205050205050A020403" pitchFamily="18" charset="0"/>
+            </a:endParaRPr>
+          </a:p>
+          <a:p>
+            <a:r>
+              <a:rPr lang="en-US" sz="2000" dirty="0">
+                <a:solidFill>
+                  <a:schemeClr val="tx1"/>
+                </a:solidFill>
+                <a:latin typeface="Adobe Caslon Pro" panose="0205050205050A020403" pitchFamily="18" charset="0"/>
+              </a:rPr>
+              <a:t>Specifically built for data professionals who want to get into Big Data</a:t>
+            </a:r>
+          </a:p>
+          <a:p>
+            <a:endParaRPr lang="en-US" sz="2000" dirty="0">
+              <a:solidFill>
+                <a:schemeClr val="tx1"/>
+              </a:solidFill>
+              <a:latin typeface="Adobe Caslon Pro" panose="0205050205050A020403" pitchFamily="18" charset="0"/>
+            </a:endParaRPr>
+          </a:p>
+          <a:p>
+            <a:endParaRPr lang="en-US" sz="2000" dirty="0">
+              <a:solidFill>
+                <a:schemeClr val="tx1"/>
+              </a:solidFill>
+              <a:latin typeface="Adobe Caslon Pro" panose="0205050205050A020403" pitchFamily="18" charset="0"/>
+            </a:endParaRPr>
+          </a:p>
+          <a:p>
+            <a:pPr marL="0" indent="0">
+              <a:buNone/>
+            </a:pPr>
+            <a:endParaRPr lang="en-US" sz="2000" dirty="0">
+              <a:solidFill>
+                <a:schemeClr val="tx1"/>
+              </a:solidFill>
+              <a:latin typeface="Adobe Caslon Pro" panose="0205050205050A020403" pitchFamily="18" charset="0"/>
+            </a:endParaRPr>
+          </a:p>
+          <a:p>
+            <a:pPr marL="0" indent="0">
+              <a:buNone/>
+            </a:pPr>
+            <a:endParaRPr lang="en-US" sz="2000" dirty="0">
+              <a:solidFill>
+                <a:schemeClr val="tx1"/>
+              </a:solidFill>
+              <a:latin typeface="Adobe Caslon Pro" panose="0205050205050A020403" pitchFamily="18" charset="0"/>
+            </a:endParaRPr>
+          </a:p>
+          <a:p>
+            <a:endParaRPr lang="en-US" sz="2000" dirty="0">
+              <a:solidFill>
+                <a:schemeClr val="tx1"/>
+              </a:solidFill>
+              <a:latin typeface="Adobe Caslon Pro" panose="0205050205050A020403" pitchFamily="18" charset="0"/>
+            </a:endParaRPr>
+          </a:p>
+          <a:p>
+            <a:endParaRPr lang="en-US" sz="2000" dirty="0">
+              <a:solidFill>
+                <a:schemeClr val="tx1"/>
+              </a:solidFill>
+              <a:latin typeface="Adobe Caslon Pro" panose="0205050205050A020403" pitchFamily="18" charset="0"/>
+            </a:endParaRPr>
+          </a:p>
+          <a:p>
+            <a:endParaRPr lang="en-US" sz="2000" dirty="0">
+              <a:solidFill>
+                <a:schemeClr val="tx1"/>
+              </a:solidFill>
+              <a:latin typeface="Adobe Caslon Pro" panose="0205050205050A020403" pitchFamily="18" charset="0"/>
+            </a:endParaRPr>
+          </a:p>
+        </p:txBody>
+      </p:sp>
+      <p:pic>
+        <p:nvPicPr>
+          <p:cNvPr id="4" name="Picture 3"/>
+          <p:cNvPicPr>
+            <a:picLocks noChangeAspect="1"/>
+          </p:cNvPicPr>
+          <p:nvPr/>
+        </p:nvPicPr>
+        <p:blipFill>
+          <a:blip r:embed="rId2">
+            <a:extLst>
+              <a:ext uri="{28A0092B-C50C-407E-A947-70E740481C1C}">
+                <a14:useLocalDpi xmlns:a14="http://schemas.microsoft.com/office/drawing/2010/main" val="0"/>
+              </a:ext>
+            </a:extLst>
+          </a:blip>
+          <a:stretch>
+            <a:fillRect/>
+          </a:stretch>
+        </p:blipFill>
+        <p:spPr>
+          <a:xfrm>
+            <a:off x="10312400" y="5722722"/>
+            <a:ext cx="1879600" cy="1135278"/>
+          </a:xfrm>
+          <a:prstGeom prst="rect">
+            <a:avLst/>
+          </a:prstGeom>
+        </p:spPr>
+      </p:pic>
+    </p:spTree>
+    <p:extLst>
+      <p:ext uri="{BB962C8B-B14F-4D97-AF65-F5344CB8AC3E}">
+        <p14:creationId xmlns:p14="http://schemas.microsoft.com/office/powerpoint/2010/main" val="518120063"/>
+      </p:ext>
+    </p:extLst>
+  </p:cSld>
+  <p:clrMapOvr>
+    <a:masterClrMapping/>
+  </p:clrMapOvr>
+</p:sld>
+</file>
+
+<file path=ppt/slides/slide4.xml><?xml version="1.0" encoding="utf-8"?>
+<p:sld xmlns:a="http://schemas.openxmlformats.org/drawingml/2006/main" xmlns:r="http://schemas.openxmlformats.org/officeDocument/2006/relationships" xmlns:p="http://schemas.openxmlformats.org/presentationml/2006/main">
+  <p:cSld>
+    <p:spTree>
+      <p:nvGrpSpPr>
+        <p:cNvPr id="1" name=""/>
+        <p:cNvGrpSpPr/>
+        <p:nvPr/>
+      </p:nvGrpSpPr>
+      <p:grpSpPr>
+        <a:xfrm>
+          <a:off x="0" y="0"/>
+          <a:ext cx="0" cy="0"/>
+          <a:chOff x="0" y="0"/>
+          <a:chExt cx="0" cy="0"/>
+        </a:xfrm>
+      </p:grpSpPr>
+      <p:sp>
+        <p:nvSpPr>
+          <p:cNvPr id="2" name="Title 1"/>
+          <p:cNvSpPr>
+            <a:spLocks noGrp="1"/>
+          </p:cNvSpPr>
+          <p:nvPr>
+            <p:ph type="title"/>
+          </p:nvPr>
+        </p:nvSpPr>
+        <p:spPr/>
+        <p:txBody>
+          <a:bodyPr>
             <a:normAutofit/>
           </a:bodyPr>
           <a:lstStyle/>
@@ -7425,7 +7030,7 @@
         </p:spPr>
         <p:txBody>
           <a:bodyPr>
-            <a:normAutofit fontScale="92500" lnSpcReduction="20000"/>
+            <a:normAutofit lnSpcReduction="10000"/>
           </a:bodyPr>
           <a:lstStyle/>
           <a:p>
@@ -7455,20 +7060,14 @@
                 </a:solidFill>
                 <a:latin typeface="Adobe Caslon Pro" panose="0205050205050A020403"/>
               </a:rPr>
-              <a:t> hit stuff at 10,000 ft and the speed of heat.</a:t>
-            </a:r>
-          </a:p>
-          <a:p>
-            <a:pPr lvl="1"/>
-            <a:r>
-              <a:rPr lang="en-US" sz="3200" dirty="0">
-                <a:solidFill>
-                  <a:schemeClr val="tx1"/>
-                </a:solidFill>
-                <a:latin typeface="Adobe Caslon Pro" panose="0205050205050A020403"/>
-              </a:rPr>
-              <a:t>This is getting turned into an online class</a:t>
-            </a:r>
+              <a:t> hit stuff at 10,000 ft.</a:t>
+            </a:r>
+            <a:endParaRPr lang="en-US" sz="3200" dirty="0">
+              <a:solidFill>
+                <a:schemeClr val="tx1"/>
+              </a:solidFill>
+              <a:latin typeface="Adobe Caslon Pro" panose="0205050205050A020403"/>
+            </a:endParaRPr>
           </a:p>
           <a:p>
             <a:pPr lvl="0"/>
@@ -7656,202 +7255,7 @@
 </p:sld>
 </file>
 
-<file path=ppt/slides/slide6.xml><?xml version="1.0" encoding="utf-8"?>
-<p:sld xmlns:a="http://schemas.openxmlformats.org/drawingml/2006/main" xmlns:r="http://schemas.openxmlformats.org/officeDocument/2006/relationships" xmlns:p="http://schemas.openxmlformats.org/presentationml/2006/main">
-  <p:cSld>
-    <p:spTree>
-      <p:nvGrpSpPr>
-        <p:cNvPr id="1" name=""/>
-        <p:cNvGrpSpPr/>
-        <p:nvPr/>
-      </p:nvGrpSpPr>
-      <p:grpSpPr>
-        <a:xfrm>
-          <a:off x="0" y="0"/>
-          <a:ext cx="0" cy="0"/>
-          <a:chOff x="0" y="0"/>
-          <a:chExt cx="0" cy="0"/>
-        </a:xfrm>
-      </p:grpSpPr>
-      <p:sp>
-        <p:nvSpPr>
-          <p:cNvPr id="2" name="Title 1"/>
-          <p:cNvSpPr>
-            <a:spLocks noGrp="1"/>
-          </p:cNvSpPr>
-          <p:nvPr>
-            <p:ph type="title"/>
-          </p:nvPr>
-        </p:nvSpPr>
-        <p:spPr/>
-        <p:txBody>
-          <a:bodyPr>
-            <a:normAutofit fontScale="90000"/>
-          </a:bodyPr>
-          <a:lstStyle/>
-          <a:p>
-            <a:pPr algn="ctr"/>
-            <a:r>
-              <a:rPr lang="en-US" sz="6000" dirty="0">
-                <a:solidFill>
-                  <a:schemeClr val="tx1"/>
-                </a:solidFill>
-                <a:latin typeface="Adobe Caslon Pro" panose="0205050205050A020403" pitchFamily="18" charset="0"/>
-              </a:rPr>
-              <a:t>All Material Can Be Downloaded from GitHub</a:t>
-            </a:r>
-          </a:p>
-        </p:txBody>
-      </p:sp>
-      <p:sp>
-        <p:nvSpPr>
-          <p:cNvPr id="3" name="Content Placeholder 2"/>
-          <p:cNvSpPr>
-            <a:spLocks noGrp="1"/>
-          </p:cNvSpPr>
-          <p:nvPr>
-            <p:ph idx="1"/>
-          </p:nvPr>
-        </p:nvSpPr>
-        <p:spPr>
-          <a:xfrm>
-            <a:off x="838200" y="1825625"/>
-            <a:ext cx="10233800" cy="4351338"/>
-          </a:xfrm>
-        </p:spPr>
-        <p:txBody>
-          <a:bodyPr>
-            <a:normAutofit/>
-          </a:bodyPr>
-          <a:lstStyle/>
-          <a:p>
-            <a:pPr lvl="0"/>
-            <a:endParaRPr lang="en-US" sz="4000" dirty="0">
-              <a:solidFill>
-                <a:schemeClr val="tx1"/>
-              </a:solidFill>
-              <a:latin typeface="Adobe Caslon Pro" panose="0205050205050A020403"/>
-            </a:endParaRPr>
-          </a:p>
-          <a:p>
-            <a:pPr marL="0" lvl="0" indent="0">
-              <a:buNone/>
-            </a:pPr>
-            <a:endParaRPr lang="en-US" sz="4000" dirty="0">
-              <a:solidFill>
-                <a:schemeClr val="tx1"/>
-              </a:solidFill>
-              <a:latin typeface="Adobe Caslon Pro" panose="0205050205050A020403"/>
-            </a:endParaRPr>
-          </a:p>
-          <a:p>
-            <a:pPr marL="0" lvl="0" indent="0" algn="ctr">
-              <a:buNone/>
-            </a:pPr>
-            <a:r>
-              <a:rPr lang="en-US" sz="4000" dirty="0" err="1">
-                <a:solidFill>
-                  <a:schemeClr val="tx1"/>
-                </a:solidFill>
-                <a:latin typeface="Adobe Caslon Pro" panose="0205050205050A020403"/>
-              </a:rPr>
-              <a:t>MassStreetAnalytics</a:t>
-            </a:r>
-            <a:r>
-              <a:rPr lang="en-US" sz="4000" dirty="0">
-                <a:solidFill>
-                  <a:schemeClr val="tx1"/>
-                </a:solidFill>
-                <a:latin typeface="Adobe Caslon Pro" panose="0205050205050A020403"/>
-              </a:rPr>
-              <a:t>/getting-started-with-</a:t>
-            </a:r>
-            <a:r>
-              <a:rPr lang="en-US" sz="4000" dirty="0" err="1">
-                <a:solidFill>
-                  <a:schemeClr val="tx1"/>
-                </a:solidFill>
-                <a:latin typeface="Adobe Caslon Pro" panose="0205050205050A020403"/>
-              </a:rPr>
-              <a:t>sparklyr</a:t>
-            </a:r>
-            <a:endParaRPr lang="en-US" sz="4000" dirty="0">
-              <a:solidFill>
-                <a:schemeClr val="tx1"/>
-              </a:solidFill>
-              <a:latin typeface="Adobe Caslon Pro" panose="0205050205050A020403"/>
-            </a:endParaRPr>
-          </a:p>
-          <a:p>
-            <a:endParaRPr lang="en-US" sz="4000" dirty="0">
-              <a:solidFill>
-                <a:schemeClr val="tx1"/>
-              </a:solidFill>
-              <a:latin typeface="Adobe Caslon Pro" panose="0205050205050A020403"/>
-            </a:endParaRPr>
-          </a:p>
-          <a:p>
-            <a:endParaRPr lang="en-US" sz="4000" dirty="0">
-              <a:solidFill>
-                <a:schemeClr val="tx1"/>
-              </a:solidFill>
-              <a:latin typeface="Adobe Caslon Pro" panose="0205050205050A020403"/>
-            </a:endParaRPr>
-          </a:p>
-          <a:p>
-            <a:endParaRPr lang="en-US" sz="4000" dirty="0">
-              <a:solidFill>
-                <a:schemeClr val="tx1"/>
-              </a:solidFill>
-              <a:latin typeface="Adobe Caslon Pro" panose="0205050205050A020403"/>
-            </a:endParaRPr>
-          </a:p>
-        </p:txBody>
-      </p:sp>
-      <p:pic>
-        <p:nvPicPr>
-          <p:cNvPr id="4" name="Picture 3"/>
-          <p:cNvPicPr>
-            <a:picLocks noChangeAspect="1"/>
-          </p:cNvPicPr>
-          <p:nvPr/>
-        </p:nvPicPr>
-        <p:blipFill>
-          <a:blip r:embed="rId2">
-            <a:extLst>
-              <a:ext uri="{28A0092B-C50C-407E-A947-70E740481C1C}">
-                <a14:useLocalDpi xmlns:a14="http://schemas.microsoft.com/office/drawing/2010/main" val="0"/>
-              </a:ext>
-            </a:extLst>
-          </a:blip>
-          <a:stretch>
-            <a:fillRect/>
-          </a:stretch>
-        </p:blipFill>
-        <p:spPr>
-          <a:xfrm>
-            <a:off x="10312400" y="5722722"/>
-            <a:ext cx="1879600" cy="1135278"/>
-          </a:xfrm>
-          <a:prstGeom prst="rect">
-            <a:avLst/>
-          </a:prstGeom>
-        </p:spPr>
-      </p:pic>
-    </p:spTree>
-    <p:extLst>
-      <p:ext uri="{BB962C8B-B14F-4D97-AF65-F5344CB8AC3E}">
-        <p14:creationId xmlns:p14="http://schemas.microsoft.com/office/powerpoint/2010/main" val="3213513700"/>
-      </p:ext>
-    </p:extLst>
-  </p:cSld>
-  <p:clrMapOvr>
-    <a:masterClrMapping/>
-  </p:clrMapOvr>
-</p:sld>
-</file>
-
-<file path=ppt/slides/slide7.xml><?xml version="1.0" encoding="utf-8"?>
+<file path=ppt/slides/slide5.xml><?xml version="1.0" encoding="utf-8"?>
 <p:sld xmlns:a="http://schemas.openxmlformats.org/drawingml/2006/main" xmlns:r="http://schemas.openxmlformats.org/officeDocument/2006/relationships" xmlns:p="http://schemas.openxmlformats.org/presentationml/2006/main">
   <p:cSld>
     <p:spTree>
@@ -8116,7 +7520,132 @@
 </p:sld>
 </file>
 
-<file path=ppt/slides/slide8.xml><?xml version="1.0" encoding="utf-8"?>
+<file path=ppt/slides/slide6.xml><?xml version="1.0" encoding="utf-8"?>
+<p:sld xmlns:a="http://schemas.openxmlformats.org/drawingml/2006/main" xmlns:r="http://schemas.openxmlformats.org/officeDocument/2006/relationships" xmlns:p="http://schemas.openxmlformats.org/presentationml/2006/main">
+  <p:cSld>
+    <p:spTree>
+      <p:nvGrpSpPr>
+        <p:cNvPr id="1" name=""/>
+        <p:cNvGrpSpPr/>
+        <p:nvPr/>
+      </p:nvGrpSpPr>
+      <p:grpSpPr>
+        <a:xfrm>
+          <a:off x="0" y="0"/>
+          <a:ext cx="0" cy="0"/>
+          <a:chOff x="0" y="0"/>
+          <a:chExt cx="0" cy="0"/>
+        </a:xfrm>
+      </p:grpSpPr>
+      <p:sp>
+        <p:nvSpPr>
+          <p:cNvPr id="2" name="Title 1"/>
+          <p:cNvSpPr>
+            <a:spLocks noGrp="1"/>
+          </p:cNvSpPr>
+          <p:nvPr>
+            <p:ph type="title"/>
+          </p:nvPr>
+        </p:nvSpPr>
+        <p:spPr/>
+        <p:txBody>
+          <a:bodyPr>
+            <a:normAutofit fontScale="90000"/>
+          </a:bodyPr>
+          <a:lstStyle/>
+          <a:p>
+            <a:pPr algn="ctr"/>
+            <a:r>
+              <a:rPr lang="en-US" sz="6000" dirty="0">
+                <a:solidFill>
+                  <a:schemeClr val="tx1"/>
+                </a:solidFill>
+                <a:latin typeface="Adobe Caslon Pro" panose="0205050205050A020403" pitchFamily="18" charset="0"/>
+              </a:rPr>
+              <a:t>Why would you want to use Spark?</a:t>
+            </a:r>
+          </a:p>
+        </p:txBody>
+      </p:sp>
+      <p:sp>
+        <p:nvSpPr>
+          <p:cNvPr id="3" name="Content Placeholder 2"/>
+          <p:cNvSpPr>
+            <a:spLocks noGrp="1"/>
+          </p:cNvSpPr>
+          <p:nvPr>
+            <p:ph idx="1"/>
+          </p:nvPr>
+        </p:nvSpPr>
+        <p:spPr>
+          <a:xfrm>
+            <a:off x="1120000" y="1690688"/>
+            <a:ext cx="10233800" cy="4351338"/>
+          </a:xfrm>
+        </p:spPr>
+        <p:txBody>
+          <a:bodyPr>
+            <a:normAutofit/>
+          </a:bodyPr>
+          <a:lstStyle/>
+          <a:p>
+            <a:pPr lvl="1"/>
+            <a:r>
+              <a:rPr lang="en-US" sz="6000" dirty="0">
+                <a:solidFill>
+                  <a:schemeClr val="tx1"/>
+                </a:solidFill>
+                <a:latin typeface="Adobe Caslon Pro" panose="0205050205050A020403" pitchFamily="18" charset="0"/>
+              </a:rPr>
+              <a:t>To get around memory limitations in R.</a:t>
+            </a:r>
+          </a:p>
+        </p:txBody>
+      </p:sp>
+      <p:pic>
+        <p:nvPicPr>
+          <p:cNvPr id="4" name="Picture 3"/>
+          <p:cNvPicPr>
+            <a:picLocks noChangeAspect="1"/>
+          </p:cNvPicPr>
+          <p:nvPr/>
+        </p:nvPicPr>
+        <p:blipFill>
+          <a:blip r:embed="rId2">
+            <a:extLst>
+              <a:ext uri="{28A0092B-C50C-407E-A947-70E740481C1C}">
+                <a14:useLocalDpi xmlns:a14="http://schemas.microsoft.com/office/drawing/2010/main" val="0"/>
+              </a:ext>
+            </a:extLst>
+          </a:blip>
+          <a:stretch>
+            <a:fillRect/>
+          </a:stretch>
+        </p:blipFill>
+        <p:spPr>
+          <a:xfrm>
+            <a:off x="10312400" y="5722722"/>
+            <a:ext cx="1879600" cy="1135278"/>
+          </a:xfrm>
+          <a:prstGeom prst="rect">
+            <a:avLst/>
+          </a:prstGeom>
+        </p:spPr>
+      </p:pic>
+    </p:spTree>
+    <p:extLst>
+      <p:ext uri="{BB962C8B-B14F-4D97-AF65-F5344CB8AC3E}">
+        <p14:creationId xmlns:p14="http://schemas.microsoft.com/office/powerpoint/2010/main" val="789380754"/>
+      </p:ext>
+    </p:extLst>
+  </p:cSld>
+  <p:clrMapOvr>
+    <a:masterClrMapping/>
+  </p:clrMapOvr>
+</p:sld>
+</file>
+
+<file path=ppt/slides/slide7.xml><?xml version="1.0" encoding="utf-8"?>
 <p:sld xmlns:a="http://schemas.openxmlformats.org/drawingml/2006/main" xmlns:r="http://schemas.openxmlformats.org/officeDocument/2006/relationships" xmlns:p="http://schemas.openxmlformats.org/presentationml/2006/main">
   <p:cSld>
     <p:spTree>
@@ -8333,7 +7862,7 @@
 </p:sld>
 </file>
 
-<file path=ppt/slides/slide9.xml><?xml version="1.0" encoding="utf-8"?>
+<file path=ppt/slides/slide8.xml><?xml version="1.0" encoding="utf-8"?>
 <p:sld xmlns:a="http://schemas.openxmlformats.org/drawingml/2006/main" xmlns:r="http://schemas.openxmlformats.org/officeDocument/2006/relationships" xmlns:p="http://schemas.openxmlformats.org/presentationml/2006/main">
   <p:cSld>
     <p:spTree>
@@ -8544,6 +8073,263 @@
     <p:extLst>
       <p:ext uri="{BB962C8B-B14F-4D97-AF65-F5344CB8AC3E}">
         <p14:creationId xmlns:p14="http://schemas.microsoft.com/office/powerpoint/2010/main" val="1972878064"/>
+      </p:ext>
+    </p:extLst>
+  </p:cSld>
+  <p:clrMapOvr>
+    <a:masterClrMapping/>
+  </p:clrMapOvr>
+</p:sld>
+</file>
+
+<file path=ppt/slides/slide9.xml><?xml version="1.0" encoding="utf-8"?>
+<p:sld xmlns:a="http://schemas.openxmlformats.org/drawingml/2006/main" xmlns:r="http://schemas.openxmlformats.org/officeDocument/2006/relationships" xmlns:p="http://schemas.openxmlformats.org/presentationml/2006/main">
+  <p:cSld>
+    <p:spTree>
+      <p:nvGrpSpPr>
+        <p:cNvPr id="1" name=""/>
+        <p:cNvGrpSpPr/>
+        <p:nvPr/>
+      </p:nvGrpSpPr>
+      <p:grpSpPr>
+        <a:xfrm>
+          <a:off x="0" y="0"/>
+          <a:ext cx="0" cy="0"/>
+          <a:chOff x="0" y="0"/>
+          <a:chExt cx="0" cy="0"/>
+        </a:xfrm>
+      </p:grpSpPr>
+      <p:sp>
+        <p:nvSpPr>
+          <p:cNvPr id="2" name="Title 1"/>
+          <p:cNvSpPr>
+            <a:spLocks noGrp="1"/>
+          </p:cNvSpPr>
+          <p:nvPr>
+            <p:ph type="title"/>
+          </p:nvPr>
+        </p:nvSpPr>
+        <p:spPr>
+          <a:xfrm>
+            <a:off x="838200" y="356658"/>
+            <a:ext cx="10515600" cy="1325563"/>
+          </a:xfrm>
+        </p:spPr>
+        <p:txBody>
+          <a:bodyPr>
+            <a:normAutofit/>
+          </a:bodyPr>
+          <a:lstStyle/>
+          <a:p>
+            <a:pPr algn="ctr"/>
+            <a:r>
+              <a:rPr lang="en-US" sz="4000" dirty="0">
+                <a:solidFill>
+                  <a:schemeClr val="tx1"/>
+                </a:solidFill>
+                <a:latin typeface="Adobe Caslon Pro" panose="0205050205050A020403" pitchFamily="18" charset="0"/>
+              </a:rPr>
+              <a:t>What is </a:t>
+            </a:r>
+            <a:r>
+              <a:rPr lang="en-US" sz="4000" dirty="0" err="1">
+                <a:solidFill>
+                  <a:schemeClr val="tx1"/>
+                </a:solidFill>
+                <a:latin typeface="Adobe Caslon Pro" panose="0205050205050A020403" pitchFamily="18" charset="0"/>
+              </a:rPr>
+              <a:t>SparkSQL</a:t>
+            </a:r>
+            <a:r>
+              <a:rPr lang="en-US" sz="4000" dirty="0">
+                <a:solidFill>
+                  <a:schemeClr val="tx1"/>
+                </a:solidFill>
+                <a:latin typeface="Adobe Caslon Pro" panose="0205050205050A020403" pitchFamily="18" charset="0"/>
+              </a:rPr>
+              <a:t>?</a:t>
+            </a:r>
+          </a:p>
+        </p:txBody>
+      </p:sp>
+      <p:sp>
+        <p:nvSpPr>
+          <p:cNvPr id="3" name="Content Placeholder 2"/>
+          <p:cNvSpPr>
+            <a:spLocks noGrp="1"/>
+          </p:cNvSpPr>
+          <p:nvPr>
+            <p:ph idx="1"/>
+          </p:nvPr>
+        </p:nvSpPr>
+        <p:spPr>
+          <a:xfrm>
+            <a:off x="838200" y="1825625"/>
+            <a:ext cx="10233800" cy="4351338"/>
+          </a:xfrm>
+        </p:spPr>
+        <p:txBody>
+          <a:bodyPr>
+            <a:normAutofit fontScale="92500" lnSpcReduction="20000"/>
+          </a:bodyPr>
+          <a:lstStyle/>
+          <a:p>
+            <a:r>
+              <a:rPr lang="en-US" sz="3200" dirty="0">
+                <a:solidFill>
+                  <a:schemeClr val="tx1"/>
+                </a:solidFill>
+                <a:latin typeface="Adobe Caslon Pro" panose="0205050205050A020403"/>
+              </a:rPr>
+              <a:t>The new way to interact with Spark.</a:t>
+            </a:r>
+          </a:p>
+          <a:p>
+            <a:endParaRPr lang="en-US" sz="3200" dirty="0">
+              <a:solidFill>
+                <a:schemeClr val="tx1"/>
+              </a:solidFill>
+              <a:latin typeface="Adobe Caslon Pro" panose="0205050205050A020403"/>
+            </a:endParaRPr>
+          </a:p>
+          <a:p>
+            <a:r>
+              <a:rPr lang="en-US" sz="3200" dirty="0">
+                <a:solidFill>
+                  <a:schemeClr val="tx1"/>
+                </a:solidFill>
+                <a:latin typeface="Adobe Caslon Pro" panose="0205050205050A020403"/>
+              </a:rPr>
+              <a:t>Another SQL on big data implementation.</a:t>
+            </a:r>
+          </a:p>
+          <a:p>
+            <a:endParaRPr lang="en-US" sz="3200" dirty="0">
+              <a:solidFill>
+                <a:schemeClr val="tx1"/>
+              </a:solidFill>
+              <a:latin typeface="Adobe Caslon Pro" panose="0205050205050A020403"/>
+            </a:endParaRPr>
+          </a:p>
+          <a:p>
+            <a:r>
+              <a:rPr lang="en-US" sz="3200" dirty="0">
+                <a:solidFill>
+                  <a:schemeClr val="tx1"/>
+                </a:solidFill>
+                <a:latin typeface="Adobe Caslon Pro" panose="0205050205050A020403"/>
+              </a:rPr>
+              <a:t>Allows you to write SQL statements against a spark cluster.</a:t>
+            </a:r>
+          </a:p>
+          <a:p>
+            <a:endParaRPr lang="en-US" sz="3200" dirty="0">
+              <a:solidFill>
+                <a:schemeClr val="tx1"/>
+              </a:solidFill>
+              <a:latin typeface="Adobe Caslon Pro" panose="0205050205050A020403"/>
+            </a:endParaRPr>
+          </a:p>
+          <a:p>
+            <a:r>
+              <a:rPr lang="en-US" sz="3200" dirty="0">
+                <a:solidFill>
+                  <a:schemeClr val="tx1"/>
+                </a:solidFill>
+                <a:latin typeface="Adobe Caslon Pro" panose="0205050205050A020403"/>
+              </a:rPr>
+              <a:t>You can use straight SQL or </a:t>
+            </a:r>
+            <a:r>
+              <a:rPr lang="en-US" sz="3200" dirty="0" err="1">
+                <a:solidFill>
+                  <a:schemeClr val="tx1"/>
+                </a:solidFill>
+                <a:latin typeface="Adobe Caslon Pro" panose="0205050205050A020403"/>
+              </a:rPr>
+              <a:t>dplyr</a:t>
+            </a:r>
+            <a:r>
+              <a:rPr lang="en-US" sz="3200" dirty="0">
+                <a:solidFill>
+                  <a:schemeClr val="tx1"/>
+                </a:solidFill>
+                <a:latin typeface="Adobe Caslon Pro" panose="0205050205050A020403"/>
+              </a:rPr>
+              <a:t> techniques</a:t>
+            </a:r>
+          </a:p>
+          <a:p>
+            <a:endParaRPr lang="en-US" sz="3200" dirty="0">
+              <a:solidFill>
+                <a:schemeClr val="tx1"/>
+              </a:solidFill>
+              <a:latin typeface="Adobe Caslon Pro" panose="0205050205050A020403"/>
+            </a:endParaRPr>
+          </a:p>
+          <a:p>
+            <a:r>
+              <a:rPr lang="en-US" sz="3200" dirty="0">
+                <a:solidFill>
+                  <a:schemeClr val="tx1"/>
+                </a:solidFill>
+                <a:latin typeface="Adobe Caslon Pro" panose="0205050205050A020403"/>
+              </a:rPr>
+              <a:t>All super easy with R.</a:t>
+            </a:r>
+          </a:p>
+          <a:p>
+            <a:endParaRPr lang="en-US" sz="3200" dirty="0">
+              <a:solidFill>
+                <a:schemeClr val="tx1"/>
+              </a:solidFill>
+              <a:latin typeface="Adobe Caslon Pro" panose="0205050205050A020403"/>
+            </a:endParaRPr>
+          </a:p>
+          <a:p>
+            <a:endParaRPr lang="en-US" sz="3200" dirty="0">
+              <a:solidFill>
+                <a:schemeClr val="tx1"/>
+              </a:solidFill>
+              <a:latin typeface="Adobe Caslon Pro" panose="0205050205050A020403"/>
+            </a:endParaRPr>
+          </a:p>
+        </p:txBody>
+      </p:sp>
+      <p:pic>
+        <p:nvPicPr>
+          <p:cNvPr id="4" name="Picture 3"/>
+          <p:cNvPicPr>
+            <a:picLocks noChangeAspect="1"/>
+          </p:cNvPicPr>
+          <p:nvPr/>
+        </p:nvPicPr>
+        <p:blipFill>
+          <a:blip r:embed="rId2">
+            <a:extLst>
+              <a:ext uri="{28A0092B-C50C-407E-A947-70E740481C1C}">
+                <a14:useLocalDpi xmlns:a14="http://schemas.microsoft.com/office/drawing/2010/main" val="0"/>
+              </a:ext>
+            </a:extLst>
+          </a:blip>
+          <a:stretch>
+            <a:fillRect/>
+          </a:stretch>
+        </p:blipFill>
+        <p:spPr>
+          <a:xfrm>
+            <a:off x="10312400" y="5722722"/>
+            <a:ext cx="1879600" cy="1135278"/>
+          </a:xfrm>
+          <a:prstGeom prst="rect">
+            <a:avLst/>
+          </a:prstGeom>
+        </p:spPr>
+      </p:pic>
+    </p:spTree>
+    <p:extLst>
+      <p:ext uri="{BB962C8B-B14F-4D97-AF65-F5344CB8AC3E}">
+        <p14:creationId xmlns:p14="http://schemas.microsoft.com/office/powerpoint/2010/main" val="1753332999"/>
       </p:ext>
     </p:extLst>
   </p:cSld>

--- a/Documents/Deck/Getting Started With Sparklyr.pptx
+++ b/Documents/Deck/Getting Started With Sparklyr.pptx
@@ -319,7 +319,7 @@
           <a:p>
             <a:fld id="{ECD19FB2-3AAB-4D03-B13A-2960828C78E3}" type="datetimeFigureOut">
               <a:rPr lang="en-US" dirty="0"/>
-              <a:t>2/18/2018</a:t>
+              <a:t>3/12/2018</a:t>
             </a:fld>
             <a:endParaRPr lang="en-US" dirty="0"/>
           </a:p>
@@ -600,7 +600,7 @@
           <a:p>
             <a:fld id="{1B80C674-7DFC-42FE-B9CD-82963CDB1557}" type="datetimeFigureOut">
               <a:rPr lang="en-US" dirty="0"/>
-              <a:t>2/18/2018</a:t>
+              <a:t>3/12/2018</a:t>
             </a:fld>
             <a:endParaRPr lang="en-US" dirty="0"/>
           </a:p>
@@ -791,7 +791,7 @@
           <a:p>
             <a:fld id="{2076456F-F47D-4F25-8053-2A695DA0CA7D}" type="datetimeFigureOut">
               <a:rPr lang="en-US" dirty="0"/>
-              <a:t>2/18/2018</a:t>
+              <a:t>3/12/2018</a:t>
             </a:fld>
             <a:endParaRPr lang="en-US" dirty="0"/>
           </a:p>
@@ -1051,7 +1051,7 @@
           <a:p>
             <a:fld id="{5D6C7379-69CC-4837-9905-BEBA22830C8A}" type="datetimeFigureOut">
               <a:rPr lang="en-US" dirty="0"/>
-              <a:t>2/18/2018</a:t>
+              <a:t>3/12/2018</a:t>
             </a:fld>
             <a:endParaRPr lang="en-US" dirty="0"/>
           </a:p>
@@ -1476,7 +1476,7 @@
           <a:p>
             <a:fld id="{49EB8B7E-8AEE-4F10-BFEE-C999AD004D36}" type="datetimeFigureOut">
               <a:rPr lang="en-US" dirty="0"/>
-              <a:t>2/18/2018</a:t>
+              <a:t>3/12/2018</a:t>
             </a:fld>
             <a:endParaRPr lang="en-US" dirty="0"/>
           </a:p>
@@ -2021,7 +2021,7 @@
           <a:p>
             <a:fld id="{8668F3F9-58BC-440B-B37B-805B9055EF92}" type="datetimeFigureOut">
               <a:rPr lang="en-US" dirty="0"/>
-              <a:t>2/18/2018</a:t>
+              <a:t>3/12/2018</a:t>
             </a:fld>
             <a:endParaRPr lang="en-US" dirty="0"/>
           </a:p>
@@ -2851,7 +2851,7 @@
           <a:p>
             <a:fld id="{0D5A53AF-48EA-489D-8260-9DCAB666386A}" type="datetimeFigureOut">
               <a:rPr lang="en-US" dirty="0"/>
-              <a:t>2/18/2018</a:t>
+              <a:t>3/12/2018</a:t>
             </a:fld>
             <a:endParaRPr lang="en-US" dirty="0"/>
           </a:p>
@@ -3020,7 +3020,7 @@
           <a:p>
             <a:fld id="{0DED02AE-B9A4-47BD-AF8E-97E16144138B}" type="datetimeFigureOut">
               <a:rPr lang="en-US" dirty="0"/>
-              <a:t>2/18/2018</a:t>
+              <a:t>3/12/2018</a:t>
             </a:fld>
             <a:endParaRPr lang="en-US" dirty="0"/>
           </a:p>
@@ -3199,7 +3199,7 @@
           <a:p>
             <a:fld id="{CF0FD78B-DB02-4362-BCDC-98A55456977C}" type="datetimeFigureOut">
               <a:rPr lang="en-US" dirty="0"/>
-              <a:t>2/18/2018</a:t>
+              <a:t>3/12/2018</a:t>
             </a:fld>
             <a:endParaRPr lang="en-US" dirty="0"/>
           </a:p>
@@ -3368,7 +3368,7 @@
           <a:p>
             <a:fld id="{99916976-5D93-46E4-A98A-FAD63E4D0EA8}" type="datetimeFigureOut">
               <a:rPr lang="en-US" dirty="0"/>
-              <a:t>2/18/2018</a:t>
+              <a:t>3/12/2018</a:t>
             </a:fld>
             <a:endParaRPr lang="en-US" dirty="0"/>
           </a:p>
@@ -3624,7 +3624,7 @@
           <a:p>
             <a:fld id="{0F39F4F5-F4D2-4D2A-AB60-88D37ADCB869}" type="datetimeFigureOut">
               <a:rPr lang="en-US" dirty="0"/>
-              <a:t>2/18/2018</a:t>
+              <a:t>3/12/2018</a:t>
             </a:fld>
             <a:endParaRPr lang="en-US" dirty="0"/>
           </a:p>
@@ -3855,7 +3855,7 @@
           <a:p>
             <a:fld id="{D23BC6CE-6D1E-47E5-8859-F31AC5380EB2}" type="datetimeFigureOut">
               <a:rPr lang="en-US" dirty="0"/>
-              <a:t>2/18/2018</a:t>
+              <a:t>3/12/2018</a:t>
             </a:fld>
             <a:endParaRPr lang="en-US" dirty="0"/>
           </a:p>
@@ -4247,7 +4247,7 @@
           <a:p>
             <a:fld id="{B1B4E7C4-4DA4-404D-9965-B13F2DD7D8BF}" type="datetimeFigureOut">
               <a:rPr lang="en-US" dirty="0"/>
-              <a:t>2/18/2018</a:t>
+              <a:t>3/12/2018</a:t>
             </a:fld>
             <a:endParaRPr lang="en-US" dirty="0"/>
           </a:p>
@@ -4364,7 +4364,7 @@
           <a:p>
             <a:fld id="{476FB7AA-4A53-424F-AD41-70827B6504BA}" type="datetimeFigureOut">
               <a:rPr lang="en-US" dirty="0"/>
-              <a:t>2/18/2018</a:t>
+              <a:t>3/12/2018</a:t>
             </a:fld>
             <a:endParaRPr lang="en-US" dirty="0"/>
           </a:p>
@@ -4458,7 +4458,7 @@
           <a:p>
             <a:fld id="{E7884882-FB12-4BC8-9960-9AD8104D7FAE}" type="datetimeFigureOut">
               <a:rPr lang="en-US" dirty="0"/>
-              <a:t>2/18/2018</a:t>
+              <a:t>3/12/2018</a:t>
             </a:fld>
             <a:endParaRPr lang="en-US" dirty="0"/>
           </a:p>
@@ -4730,7 +4730,7 @@
           <a:p>
             <a:fld id="{F7D1BD23-6E54-4D9D-AD88-A2813C73CC25}" type="datetimeFigureOut">
               <a:rPr lang="en-US" dirty="0"/>
-              <a:t>2/18/2018</a:t>
+              <a:t>3/12/2018</a:t>
             </a:fld>
             <a:endParaRPr lang="en-US" dirty="0"/>
           </a:p>
@@ -5010,7 +5010,7 @@
           <a:p>
             <a:fld id="{1471A834-4F3C-4AF9-9C74-05EC35A0F292}" type="datetimeFigureOut">
               <a:rPr lang="en-US" dirty="0"/>
-              <a:t>2/18/2018</a:t>
+              <a:t>3/12/2018</a:t>
             </a:fld>
             <a:endParaRPr lang="en-US" dirty="0"/>
           </a:p>
@@ -5249,7 +5249,7 @@
           <a:p>
             <a:fld id="{51CF1133-3259-4C45-BABA-5B62D9C6F78D}" type="datetimeFigureOut">
               <a:rPr lang="en-US" dirty="0"/>
-              <a:t>2/18/2018</a:t>
+              <a:t>3/12/2018</a:t>
             </a:fld>
             <a:endParaRPr lang="en-US" dirty="0"/>
           </a:p>
@@ -6305,20 +6305,14 @@
           <a:p>
             <a:pPr lvl="1"/>
             <a:r>
-              <a:rPr lang="en-US" sz="2800" dirty="0" err="1">
+              <a:rPr lang="en-US" sz="2800" dirty="0">
                 <a:solidFill>
                   <a:schemeClr val="tx1"/>
                 </a:solidFill>
                 <a:latin typeface="Adobe Caslon Pro" panose="0205050205050A020403"/>
               </a:rPr>
-              <a:t>Commerical</a:t>
-            </a:r>
-            <a:endParaRPr lang="en-US" sz="2800" dirty="0">
-              <a:solidFill>
-                <a:schemeClr val="tx1"/>
-              </a:solidFill>
-              <a:latin typeface="Adobe Caslon Pro" panose="0205050205050A020403"/>
-            </a:endParaRPr>
+              <a:t>Commercial</a:t>
+            </a:r>
           </a:p>
           <a:p>
             <a:pPr lvl="1"/>

--- a/Documents/Deck/Getting Started With Sparklyr.pptx
+++ b/Documents/Deck/Getting Started With Sparklyr.pptx
@@ -6,17 +6,18 @@
   </p:sldMasterIdLst>
   <p:sldIdLst>
     <p:sldId id="259" r:id="rId2"/>
-    <p:sldId id="349" r:id="rId3"/>
-    <p:sldId id="372" r:id="rId4"/>
-    <p:sldId id="351" r:id="rId5"/>
-    <p:sldId id="348" r:id="rId6"/>
-    <p:sldId id="371" r:id="rId7"/>
-    <p:sldId id="350" r:id="rId8"/>
-    <p:sldId id="370" r:id="rId9"/>
-    <p:sldId id="356" r:id="rId10"/>
-    <p:sldId id="357" r:id="rId11"/>
-    <p:sldId id="359" r:id="rId12"/>
-    <p:sldId id="360" r:id="rId13"/>
+    <p:sldId id="373" r:id="rId3"/>
+    <p:sldId id="349" r:id="rId4"/>
+    <p:sldId id="372" r:id="rId5"/>
+    <p:sldId id="351" r:id="rId6"/>
+    <p:sldId id="348" r:id="rId7"/>
+    <p:sldId id="371" r:id="rId8"/>
+    <p:sldId id="350" r:id="rId9"/>
+    <p:sldId id="370" r:id="rId10"/>
+    <p:sldId id="356" r:id="rId11"/>
+    <p:sldId id="357" r:id="rId12"/>
+    <p:sldId id="359" r:id="rId13"/>
+    <p:sldId id="360" r:id="rId14"/>
   </p:sldIdLst>
   <p:sldSz cx="12192000" cy="6858000"/>
   <p:notesSz cx="6858000" cy="9144000"/>
@@ -5995,6 +5996,263 @@
                 </a:solidFill>
                 <a:latin typeface="Adobe Caslon Pro" panose="0205050205050A020403" pitchFamily="18" charset="0"/>
               </a:rPr>
+              <a:t>What is </a:t>
+            </a:r>
+            <a:r>
+              <a:rPr lang="en-US" sz="4000" dirty="0" err="1">
+                <a:solidFill>
+                  <a:schemeClr val="tx1"/>
+                </a:solidFill>
+                <a:latin typeface="Adobe Caslon Pro" panose="0205050205050A020403" pitchFamily="18" charset="0"/>
+              </a:rPr>
+              <a:t>SparkSQL</a:t>
+            </a:r>
+            <a:r>
+              <a:rPr lang="en-US" sz="4000" dirty="0">
+                <a:solidFill>
+                  <a:schemeClr val="tx1"/>
+                </a:solidFill>
+                <a:latin typeface="Adobe Caslon Pro" panose="0205050205050A020403" pitchFamily="18" charset="0"/>
+              </a:rPr>
+              <a:t>?</a:t>
+            </a:r>
+          </a:p>
+        </p:txBody>
+      </p:sp>
+      <p:sp>
+        <p:nvSpPr>
+          <p:cNvPr id="3" name="Content Placeholder 2"/>
+          <p:cNvSpPr>
+            <a:spLocks noGrp="1"/>
+          </p:cNvSpPr>
+          <p:nvPr>
+            <p:ph idx="1"/>
+          </p:nvPr>
+        </p:nvSpPr>
+        <p:spPr>
+          <a:xfrm>
+            <a:off x="838200" y="1825625"/>
+            <a:ext cx="10233800" cy="4351338"/>
+          </a:xfrm>
+        </p:spPr>
+        <p:txBody>
+          <a:bodyPr>
+            <a:normAutofit fontScale="92500" lnSpcReduction="20000"/>
+          </a:bodyPr>
+          <a:lstStyle/>
+          <a:p>
+            <a:r>
+              <a:rPr lang="en-US" sz="3200" dirty="0">
+                <a:solidFill>
+                  <a:schemeClr val="tx1"/>
+                </a:solidFill>
+                <a:latin typeface="Adobe Caslon Pro" panose="0205050205050A020403"/>
+              </a:rPr>
+              <a:t>The new way to interact with Spark.</a:t>
+            </a:r>
+          </a:p>
+          <a:p>
+            <a:endParaRPr lang="en-US" sz="3200" dirty="0">
+              <a:solidFill>
+                <a:schemeClr val="tx1"/>
+              </a:solidFill>
+              <a:latin typeface="Adobe Caslon Pro" panose="0205050205050A020403"/>
+            </a:endParaRPr>
+          </a:p>
+          <a:p>
+            <a:r>
+              <a:rPr lang="en-US" sz="3200" dirty="0">
+                <a:solidFill>
+                  <a:schemeClr val="tx1"/>
+                </a:solidFill>
+                <a:latin typeface="Adobe Caslon Pro" panose="0205050205050A020403"/>
+              </a:rPr>
+              <a:t>Another SQL on big data implementation.</a:t>
+            </a:r>
+          </a:p>
+          <a:p>
+            <a:endParaRPr lang="en-US" sz="3200" dirty="0">
+              <a:solidFill>
+                <a:schemeClr val="tx1"/>
+              </a:solidFill>
+              <a:latin typeface="Adobe Caslon Pro" panose="0205050205050A020403"/>
+            </a:endParaRPr>
+          </a:p>
+          <a:p>
+            <a:r>
+              <a:rPr lang="en-US" sz="3200" dirty="0">
+                <a:solidFill>
+                  <a:schemeClr val="tx1"/>
+                </a:solidFill>
+                <a:latin typeface="Adobe Caslon Pro" panose="0205050205050A020403"/>
+              </a:rPr>
+              <a:t>Allows you to write SQL statements against a spark cluster.</a:t>
+            </a:r>
+          </a:p>
+          <a:p>
+            <a:endParaRPr lang="en-US" sz="3200" dirty="0">
+              <a:solidFill>
+                <a:schemeClr val="tx1"/>
+              </a:solidFill>
+              <a:latin typeface="Adobe Caslon Pro" panose="0205050205050A020403"/>
+            </a:endParaRPr>
+          </a:p>
+          <a:p>
+            <a:r>
+              <a:rPr lang="en-US" sz="3200" dirty="0">
+                <a:solidFill>
+                  <a:schemeClr val="tx1"/>
+                </a:solidFill>
+                <a:latin typeface="Adobe Caslon Pro" panose="0205050205050A020403"/>
+              </a:rPr>
+              <a:t>You can use straight SQL or </a:t>
+            </a:r>
+            <a:r>
+              <a:rPr lang="en-US" sz="3200" dirty="0" err="1">
+                <a:solidFill>
+                  <a:schemeClr val="tx1"/>
+                </a:solidFill>
+                <a:latin typeface="Adobe Caslon Pro" panose="0205050205050A020403"/>
+              </a:rPr>
+              <a:t>dplyr</a:t>
+            </a:r>
+            <a:r>
+              <a:rPr lang="en-US" sz="3200" dirty="0">
+                <a:solidFill>
+                  <a:schemeClr val="tx1"/>
+                </a:solidFill>
+                <a:latin typeface="Adobe Caslon Pro" panose="0205050205050A020403"/>
+              </a:rPr>
+              <a:t> techniques</a:t>
+            </a:r>
+          </a:p>
+          <a:p>
+            <a:endParaRPr lang="en-US" sz="3200" dirty="0">
+              <a:solidFill>
+                <a:schemeClr val="tx1"/>
+              </a:solidFill>
+              <a:latin typeface="Adobe Caslon Pro" panose="0205050205050A020403"/>
+            </a:endParaRPr>
+          </a:p>
+          <a:p>
+            <a:r>
+              <a:rPr lang="en-US" sz="3200" dirty="0">
+                <a:solidFill>
+                  <a:schemeClr val="tx1"/>
+                </a:solidFill>
+                <a:latin typeface="Adobe Caslon Pro" panose="0205050205050A020403"/>
+              </a:rPr>
+              <a:t>All super easy with R.</a:t>
+            </a:r>
+          </a:p>
+          <a:p>
+            <a:endParaRPr lang="en-US" sz="3200" dirty="0">
+              <a:solidFill>
+                <a:schemeClr val="tx1"/>
+              </a:solidFill>
+              <a:latin typeface="Adobe Caslon Pro" panose="0205050205050A020403"/>
+            </a:endParaRPr>
+          </a:p>
+          <a:p>
+            <a:endParaRPr lang="en-US" sz="3200" dirty="0">
+              <a:solidFill>
+                <a:schemeClr val="tx1"/>
+              </a:solidFill>
+              <a:latin typeface="Adobe Caslon Pro" panose="0205050205050A020403"/>
+            </a:endParaRPr>
+          </a:p>
+        </p:txBody>
+      </p:sp>
+      <p:pic>
+        <p:nvPicPr>
+          <p:cNvPr id="4" name="Picture 3"/>
+          <p:cNvPicPr>
+            <a:picLocks noChangeAspect="1"/>
+          </p:cNvPicPr>
+          <p:nvPr/>
+        </p:nvPicPr>
+        <p:blipFill>
+          <a:blip r:embed="rId2">
+            <a:extLst>
+              <a:ext uri="{28A0092B-C50C-407E-A947-70E740481C1C}">
+                <a14:useLocalDpi xmlns:a14="http://schemas.microsoft.com/office/drawing/2010/main" val="0"/>
+              </a:ext>
+            </a:extLst>
+          </a:blip>
+          <a:stretch>
+            <a:fillRect/>
+          </a:stretch>
+        </p:blipFill>
+        <p:spPr>
+          <a:xfrm>
+            <a:off x="10312400" y="5722722"/>
+            <a:ext cx="1879600" cy="1135278"/>
+          </a:xfrm>
+          <a:prstGeom prst="rect">
+            <a:avLst/>
+          </a:prstGeom>
+        </p:spPr>
+      </p:pic>
+    </p:spTree>
+    <p:extLst>
+      <p:ext uri="{BB962C8B-B14F-4D97-AF65-F5344CB8AC3E}">
+        <p14:creationId xmlns:p14="http://schemas.microsoft.com/office/powerpoint/2010/main" val="1753332999"/>
+      </p:ext>
+    </p:extLst>
+  </p:cSld>
+  <p:clrMapOvr>
+    <a:masterClrMapping/>
+  </p:clrMapOvr>
+</p:sld>
+</file>
+
+<file path=ppt/slides/slide11.xml><?xml version="1.0" encoding="utf-8"?>
+<p:sld xmlns:a="http://schemas.openxmlformats.org/drawingml/2006/main" xmlns:r="http://schemas.openxmlformats.org/officeDocument/2006/relationships" xmlns:p="http://schemas.openxmlformats.org/presentationml/2006/main">
+  <p:cSld>
+    <p:spTree>
+      <p:nvGrpSpPr>
+        <p:cNvPr id="1" name=""/>
+        <p:cNvGrpSpPr/>
+        <p:nvPr/>
+      </p:nvGrpSpPr>
+      <p:grpSpPr>
+        <a:xfrm>
+          <a:off x="0" y="0"/>
+          <a:ext cx="0" cy="0"/>
+          <a:chOff x="0" y="0"/>
+          <a:chExt cx="0" cy="0"/>
+        </a:xfrm>
+      </p:grpSpPr>
+      <p:sp>
+        <p:nvSpPr>
+          <p:cNvPr id="2" name="Title 1"/>
+          <p:cNvSpPr>
+            <a:spLocks noGrp="1"/>
+          </p:cNvSpPr>
+          <p:nvPr>
+            <p:ph type="title"/>
+          </p:nvPr>
+        </p:nvSpPr>
+        <p:spPr>
+          <a:xfrm>
+            <a:off x="838200" y="356658"/>
+            <a:ext cx="10515600" cy="1325563"/>
+          </a:xfrm>
+        </p:spPr>
+        <p:txBody>
+          <a:bodyPr>
+            <a:normAutofit/>
+          </a:bodyPr>
+          <a:lstStyle/>
+          <a:p>
+            <a:pPr algn="ctr"/>
+            <a:r>
+              <a:rPr lang="en-US" sz="4000" dirty="0">
+                <a:solidFill>
+                  <a:schemeClr val="tx1"/>
+                </a:solidFill>
+                <a:latin typeface="Adobe Caslon Pro" panose="0205050205050A020403" pitchFamily="18" charset="0"/>
+              </a:rPr>
               <a:t>Cluster Connection Methods</a:t>
             </a:r>
           </a:p>
@@ -6196,7 +6454,7 @@
 </p:sld>
 </file>
 
-<file path=ppt/slides/slide11.xml><?xml version="1.0" encoding="utf-8"?>
+<file path=ppt/slides/slide12.xml><?xml version="1.0" encoding="utf-8"?>
 <p:sld xmlns:a="http://schemas.openxmlformats.org/drawingml/2006/main" xmlns:r="http://schemas.openxmlformats.org/officeDocument/2006/relationships" xmlns:p="http://schemas.openxmlformats.org/presentationml/2006/main">
   <p:cSld>
     <p:spTree>
@@ -6406,7 +6664,7 @@
 </p:sld>
 </file>
 
-<file path=ppt/slides/slide12.xml><?xml version="1.0" encoding="utf-8"?>
+<file path=ppt/slides/slide13.xml><?xml version="1.0" encoding="utf-8"?>
 <p:sld xmlns:a="http://schemas.openxmlformats.org/drawingml/2006/main" xmlns:r="http://schemas.openxmlformats.org/officeDocument/2006/relationships" xmlns:p="http://schemas.openxmlformats.org/presentationml/2006/main">
   <p:cSld>
     <p:spTree>
@@ -6543,6 +6801,205 @@
                 </a:solidFill>
                 <a:latin typeface="Adobe Caslon Pro" panose="0205050205050A020403" pitchFamily="18" charset="0"/>
               </a:rPr>
+              <a:t>Bob’s Background</a:t>
+            </a:r>
+          </a:p>
+        </p:txBody>
+      </p:sp>
+      <p:sp>
+        <p:nvSpPr>
+          <p:cNvPr id="3" name="Content Placeholder 2"/>
+          <p:cNvSpPr>
+            <a:spLocks noGrp="1"/>
+          </p:cNvSpPr>
+          <p:nvPr>
+            <p:ph idx="1"/>
+          </p:nvPr>
+        </p:nvSpPr>
+        <p:spPr>
+          <a:xfrm>
+            <a:off x="1120000" y="1690688"/>
+            <a:ext cx="10233800" cy="4351338"/>
+          </a:xfrm>
+        </p:spPr>
+        <p:txBody>
+          <a:bodyPr>
+            <a:normAutofit/>
+          </a:bodyPr>
+          <a:lstStyle/>
+          <a:p>
+            <a:r>
+              <a:rPr lang="en-US" sz="3200" dirty="0">
+                <a:solidFill>
+                  <a:schemeClr val="tx1"/>
+                </a:solidFill>
+                <a:latin typeface="Adobe Caslon Pro" panose="0205050205050A020403" pitchFamily="18" charset="0"/>
+              </a:rPr>
+              <a:t>IT professional 17 years</a:t>
+            </a:r>
+          </a:p>
+          <a:p>
+            <a:r>
+              <a:rPr lang="en-US" sz="3200" dirty="0">
+                <a:solidFill>
+                  <a:schemeClr val="tx1"/>
+                </a:solidFill>
+                <a:latin typeface="Adobe Caslon Pro" panose="0205050205050A020403" pitchFamily="18" charset="0"/>
+              </a:rPr>
+              <a:t>Currently working as a Data Engineer</a:t>
+            </a:r>
+          </a:p>
+          <a:p>
+            <a:r>
+              <a:rPr lang="en-US" sz="3200" dirty="0">
+                <a:solidFill>
+                  <a:schemeClr val="tx1"/>
+                </a:solidFill>
+                <a:latin typeface="Adobe Caslon Pro" panose="0205050205050A020403" pitchFamily="18" charset="0"/>
+              </a:rPr>
+              <a:t>Education</a:t>
+            </a:r>
+          </a:p>
+          <a:p>
+            <a:pPr lvl="1"/>
+            <a:r>
+              <a:rPr lang="en-US" sz="3200" dirty="0">
+                <a:solidFill>
+                  <a:schemeClr val="tx1"/>
+                </a:solidFill>
+                <a:latin typeface="Adobe Caslon Pro" panose="0205050205050A020403" pitchFamily="18" charset="0"/>
+              </a:rPr>
+              <a:t>BS Business Admin (MIS) from </a:t>
+            </a:r>
+            <a:r>
+              <a:rPr lang="en-US" sz="3200" dirty="0" err="1">
+                <a:solidFill>
+                  <a:schemeClr val="tx1"/>
+                </a:solidFill>
+                <a:latin typeface="Adobe Caslon Pro" panose="0205050205050A020403" pitchFamily="18" charset="0"/>
+              </a:rPr>
+              <a:t>KState</a:t>
+            </a:r>
+            <a:endParaRPr lang="en-US" sz="3200" dirty="0">
+              <a:solidFill>
+                <a:schemeClr val="tx1"/>
+              </a:solidFill>
+              <a:latin typeface="Adobe Caslon Pro" panose="0205050205050A020403" pitchFamily="18" charset="0"/>
+            </a:endParaRPr>
+          </a:p>
+          <a:p>
+            <a:pPr lvl="1"/>
+            <a:r>
+              <a:rPr lang="en-US" sz="3200" dirty="0">
+                <a:solidFill>
+                  <a:schemeClr val="tx1"/>
+                </a:solidFill>
+                <a:latin typeface="Adobe Caslon Pro" panose="0205050205050A020403" pitchFamily="18" charset="0"/>
+              </a:rPr>
+              <a:t>MBA (finance concentration) from KU</a:t>
+            </a:r>
+          </a:p>
+          <a:p>
+            <a:pPr lvl="1"/>
+            <a:r>
+              <a:rPr lang="en-US" sz="3200" dirty="0">
+                <a:solidFill>
+                  <a:schemeClr val="tx1"/>
+                </a:solidFill>
+                <a:latin typeface="Adobe Caslon Pro" panose="0205050205050A020403" pitchFamily="18" charset="0"/>
+              </a:rPr>
+              <a:t>Coursework in Mathematics at Washburn</a:t>
+            </a:r>
+          </a:p>
+          <a:p>
+            <a:pPr lvl="1"/>
+            <a:r>
+              <a:rPr lang="en-US" sz="3200" dirty="0">
+                <a:solidFill>
+                  <a:schemeClr val="tx1"/>
+                </a:solidFill>
+                <a:latin typeface="Adobe Caslon Pro" panose="0205050205050A020403" pitchFamily="18" charset="0"/>
+              </a:rPr>
+              <a:t>Graduate certificate Data Science from Rockhurst</a:t>
+            </a:r>
+          </a:p>
+          <a:p>
+            <a:r>
+              <a:rPr lang="en-US" sz="3600" dirty="0">
+                <a:solidFill>
+                  <a:schemeClr val="tx1"/>
+                </a:solidFill>
+                <a:latin typeface="Adobe Caslon Pro" panose="0205050205050A020403" pitchFamily="18" charset="0"/>
+              </a:rPr>
+              <a:t>Addicted to everything data</a:t>
+            </a:r>
+          </a:p>
+          <a:p>
+            <a:pPr lvl="1"/>
+            <a:endParaRPr lang="en-US" sz="3200" dirty="0">
+              <a:solidFill>
+                <a:schemeClr val="tx1"/>
+              </a:solidFill>
+              <a:latin typeface="Adobe Caslon Pro" panose="0205050205050A020403" pitchFamily="18" charset="0"/>
+            </a:endParaRPr>
+          </a:p>
+        </p:txBody>
+      </p:sp>
+    </p:spTree>
+    <p:extLst>
+      <p:ext uri="{BB962C8B-B14F-4D97-AF65-F5344CB8AC3E}">
+        <p14:creationId xmlns:p14="http://schemas.microsoft.com/office/powerpoint/2010/main" val="4095635703"/>
+      </p:ext>
+    </p:extLst>
+  </p:cSld>
+  <p:clrMapOvr>
+    <a:masterClrMapping/>
+  </p:clrMapOvr>
+</p:sld>
+</file>
+
+<file path=ppt/slides/slide3.xml><?xml version="1.0" encoding="utf-8"?>
+<p:sld xmlns:a="http://schemas.openxmlformats.org/drawingml/2006/main" xmlns:r="http://schemas.openxmlformats.org/officeDocument/2006/relationships" xmlns:p="http://schemas.openxmlformats.org/presentationml/2006/main">
+  <p:cSld>
+    <p:spTree>
+      <p:nvGrpSpPr>
+        <p:cNvPr id="1" name=""/>
+        <p:cNvGrpSpPr/>
+        <p:nvPr/>
+      </p:nvGrpSpPr>
+      <p:grpSpPr>
+        <a:xfrm>
+          <a:off x="0" y="0"/>
+          <a:ext cx="0" cy="0"/>
+          <a:chOff x="0" y="0"/>
+          <a:chExt cx="0" cy="0"/>
+        </a:xfrm>
+      </p:grpSpPr>
+      <p:sp>
+        <p:nvSpPr>
+          <p:cNvPr id="2" name="Title 1"/>
+          <p:cNvSpPr>
+            <a:spLocks noGrp="1"/>
+          </p:cNvSpPr>
+          <p:nvPr>
+            <p:ph type="title"/>
+          </p:nvPr>
+        </p:nvSpPr>
+        <p:spPr/>
+        <p:txBody>
+          <a:bodyPr>
+            <a:normAutofit/>
+          </a:bodyPr>
+          <a:lstStyle/>
+          <a:p>
+            <a:pPr algn="ctr"/>
+            <a:r>
+              <a:rPr lang="en-US" sz="6000" dirty="0">
+                <a:solidFill>
+                  <a:schemeClr val="tx1"/>
+                </a:solidFill>
+                <a:latin typeface="Adobe Caslon Pro" panose="0205050205050A020403" pitchFamily="18" charset="0"/>
+              </a:rPr>
               <a:t>Follow Me!</a:t>
             </a:r>
           </a:p>
@@ -6678,7 +7135,7 @@
 </p:sld>
 </file>
 
-<file path=ppt/slides/slide3.xml><?xml version="1.0" encoding="utf-8"?>
+<file path=ppt/slides/slide4.xml><?xml version="1.0" encoding="utf-8"?>
 <p:sld xmlns:a="http://schemas.openxmlformats.org/drawingml/2006/main" xmlns:r="http://schemas.openxmlformats.org/officeDocument/2006/relationships" xmlns:p="http://schemas.openxmlformats.org/presentationml/2006/main">
   <p:cSld>
     <p:spTree>
@@ -6959,7 +7416,7 @@
 </p:sld>
 </file>
 
-<file path=ppt/slides/slide4.xml><?xml version="1.0" encoding="utf-8"?>
+<file path=ppt/slides/slide5.xml><?xml version="1.0" encoding="utf-8"?>
 <p:sld xmlns:a="http://schemas.openxmlformats.org/drawingml/2006/main" xmlns:r="http://schemas.openxmlformats.org/officeDocument/2006/relationships" xmlns:p="http://schemas.openxmlformats.org/presentationml/2006/main">
   <p:cSld>
     <p:spTree>
@@ -7249,7 +7706,7 @@
 </p:sld>
 </file>
 
-<file path=ppt/slides/slide5.xml><?xml version="1.0" encoding="utf-8"?>
+<file path=ppt/slides/slide6.xml><?xml version="1.0" encoding="utf-8"?>
 <p:sld xmlns:a="http://schemas.openxmlformats.org/drawingml/2006/main" xmlns:r="http://schemas.openxmlformats.org/officeDocument/2006/relationships" xmlns:p="http://schemas.openxmlformats.org/presentationml/2006/main">
   <p:cSld>
     <p:spTree>
@@ -7314,7 +7771,7 @@
         </p:spPr>
         <p:txBody>
           <a:bodyPr>
-            <a:normAutofit/>
+            <a:normAutofit lnSpcReduction="10000"/>
           </a:bodyPr>
           <a:lstStyle/>
           <a:p>
@@ -7514,7 +7971,7 @@
 </p:sld>
 </file>
 
-<file path=ppt/slides/slide6.xml><?xml version="1.0" encoding="utf-8"?>
+<file path=ppt/slides/slide7.xml><?xml version="1.0" encoding="utf-8"?>
 <p:sld xmlns:a="http://schemas.openxmlformats.org/drawingml/2006/main" xmlns:r="http://schemas.openxmlformats.org/officeDocument/2006/relationships" xmlns:p="http://schemas.openxmlformats.org/presentationml/2006/main">
   <p:cSld>
     <p:spTree>
@@ -7639,7 +8096,7 @@
 </p:sld>
 </file>
 
-<file path=ppt/slides/slide7.xml><?xml version="1.0" encoding="utf-8"?>
+<file path=ppt/slides/slide8.xml><?xml version="1.0" encoding="utf-8"?>
 <p:sld xmlns:a="http://schemas.openxmlformats.org/drawingml/2006/main" xmlns:r="http://schemas.openxmlformats.org/officeDocument/2006/relationships" xmlns:p="http://schemas.openxmlformats.org/presentationml/2006/main">
   <p:cSld>
     <p:spTree>
@@ -7856,7 +8313,7 @@
 </p:sld>
 </file>
 
-<file path=ppt/slides/slide8.xml><?xml version="1.0" encoding="utf-8"?>
+<file path=ppt/slides/slide9.xml><?xml version="1.0" encoding="utf-8"?>
 <p:sld xmlns:a="http://schemas.openxmlformats.org/drawingml/2006/main" xmlns:r="http://schemas.openxmlformats.org/officeDocument/2006/relationships" xmlns:p="http://schemas.openxmlformats.org/presentationml/2006/main">
   <p:cSld>
     <p:spTree>
@@ -8067,263 +8524,6 @@
     <p:extLst>
       <p:ext uri="{BB962C8B-B14F-4D97-AF65-F5344CB8AC3E}">
         <p14:creationId xmlns:p14="http://schemas.microsoft.com/office/powerpoint/2010/main" val="1972878064"/>
-      </p:ext>
-    </p:extLst>
-  </p:cSld>
-  <p:clrMapOvr>
-    <a:masterClrMapping/>
-  </p:clrMapOvr>
-</p:sld>
-</file>
-
-<file path=ppt/slides/slide9.xml><?xml version="1.0" encoding="utf-8"?>
-<p:sld xmlns:a="http://schemas.openxmlformats.org/drawingml/2006/main" xmlns:r="http://schemas.openxmlformats.org/officeDocument/2006/relationships" xmlns:p="http://schemas.openxmlformats.org/presentationml/2006/main">
-  <p:cSld>
-    <p:spTree>
-      <p:nvGrpSpPr>
-        <p:cNvPr id="1" name=""/>
-        <p:cNvGrpSpPr/>
-        <p:nvPr/>
-      </p:nvGrpSpPr>
-      <p:grpSpPr>
-        <a:xfrm>
-          <a:off x="0" y="0"/>
-          <a:ext cx="0" cy="0"/>
-          <a:chOff x="0" y="0"/>
-          <a:chExt cx="0" cy="0"/>
-        </a:xfrm>
-      </p:grpSpPr>
-      <p:sp>
-        <p:nvSpPr>
-          <p:cNvPr id="2" name="Title 1"/>
-          <p:cNvSpPr>
-            <a:spLocks noGrp="1"/>
-          </p:cNvSpPr>
-          <p:nvPr>
-            <p:ph type="title"/>
-          </p:nvPr>
-        </p:nvSpPr>
-        <p:spPr>
-          <a:xfrm>
-            <a:off x="838200" y="356658"/>
-            <a:ext cx="10515600" cy="1325563"/>
-          </a:xfrm>
-        </p:spPr>
-        <p:txBody>
-          <a:bodyPr>
-            <a:normAutofit/>
-          </a:bodyPr>
-          <a:lstStyle/>
-          <a:p>
-            <a:pPr algn="ctr"/>
-            <a:r>
-              <a:rPr lang="en-US" sz="4000" dirty="0">
-                <a:solidFill>
-                  <a:schemeClr val="tx1"/>
-                </a:solidFill>
-                <a:latin typeface="Adobe Caslon Pro" panose="0205050205050A020403" pitchFamily="18" charset="0"/>
-              </a:rPr>
-              <a:t>What is </a:t>
-            </a:r>
-            <a:r>
-              <a:rPr lang="en-US" sz="4000" dirty="0" err="1">
-                <a:solidFill>
-                  <a:schemeClr val="tx1"/>
-                </a:solidFill>
-                <a:latin typeface="Adobe Caslon Pro" panose="0205050205050A020403" pitchFamily="18" charset="0"/>
-              </a:rPr>
-              <a:t>SparkSQL</a:t>
-            </a:r>
-            <a:r>
-              <a:rPr lang="en-US" sz="4000" dirty="0">
-                <a:solidFill>
-                  <a:schemeClr val="tx1"/>
-                </a:solidFill>
-                <a:latin typeface="Adobe Caslon Pro" panose="0205050205050A020403" pitchFamily="18" charset="0"/>
-              </a:rPr>
-              <a:t>?</a:t>
-            </a:r>
-          </a:p>
-        </p:txBody>
-      </p:sp>
-      <p:sp>
-        <p:nvSpPr>
-          <p:cNvPr id="3" name="Content Placeholder 2"/>
-          <p:cNvSpPr>
-            <a:spLocks noGrp="1"/>
-          </p:cNvSpPr>
-          <p:nvPr>
-            <p:ph idx="1"/>
-          </p:nvPr>
-        </p:nvSpPr>
-        <p:spPr>
-          <a:xfrm>
-            <a:off x="838200" y="1825625"/>
-            <a:ext cx="10233800" cy="4351338"/>
-          </a:xfrm>
-        </p:spPr>
-        <p:txBody>
-          <a:bodyPr>
-            <a:normAutofit fontScale="92500" lnSpcReduction="20000"/>
-          </a:bodyPr>
-          <a:lstStyle/>
-          <a:p>
-            <a:r>
-              <a:rPr lang="en-US" sz="3200" dirty="0">
-                <a:solidFill>
-                  <a:schemeClr val="tx1"/>
-                </a:solidFill>
-                <a:latin typeface="Adobe Caslon Pro" panose="0205050205050A020403"/>
-              </a:rPr>
-              <a:t>The new way to interact with Spark.</a:t>
-            </a:r>
-          </a:p>
-          <a:p>
-            <a:endParaRPr lang="en-US" sz="3200" dirty="0">
-              <a:solidFill>
-                <a:schemeClr val="tx1"/>
-              </a:solidFill>
-              <a:latin typeface="Adobe Caslon Pro" panose="0205050205050A020403"/>
-            </a:endParaRPr>
-          </a:p>
-          <a:p>
-            <a:r>
-              <a:rPr lang="en-US" sz="3200" dirty="0">
-                <a:solidFill>
-                  <a:schemeClr val="tx1"/>
-                </a:solidFill>
-                <a:latin typeface="Adobe Caslon Pro" panose="0205050205050A020403"/>
-              </a:rPr>
-              <a:t>Another SQL on big data implementation.</a:t>
-            </a:r>
-          </a:p>
-          <a:p>
-            <a:endParaRPr lang="en-US" sz="3200" dirty="0">
-              <a:solidFill>
-                <a:schemeClr val="tx1"/>
-              </a:solidFill>
-              <a:latin typeface="Adobe Caslon Pro" panose="0205050205050A020403"/>
-            </a:endParaRPr>
-          </a:p>
-          <a:p>
-            <a:r>
-              <a:rPr lang="en-US" sz="3200" dirty="0">
-                <a:solidFill>
-                  <a:schemeClr val="tx1"/>
-                </a:solidFill>
-                <a:latin typeface="Adobe Caslon Pro" panose="0205050205050A020403"/>
-              </a:rPr>
-              <a:t>Allows you to write SQL statements against a spark cluster.</a:t>
-            </a:r>
-          </a:p>
-          <a:p>
-            <a:endParaRPr lang="en-US" sz="3200" dirty="0">
-              <a:solidFill>
-                <a:schemeClr val="tx1"/>
-              </a:solidFill>
-              <a:latin typeface="Adobe Caslon Pro" panose="0205050205050A020403"/>
-            </a:endParaRPr>
-          </a:p>
-          <a:p>
-            <a:r>
-              <a:rPr lang="en-US" sz="3200" dirty="0">
-                <a:solidFill>
-                  <a:schemeClr val="tx1"/>
-                </a:solidFill>
-                <a:latin typeface="Adobe Caslon Pro" panose="0205050205050A020403"/>
-              </a:rPr>
-              <a:t>You can use straight SQL or </a:t>
-            </a:r>
-            <a:r>
-              <a:rPr lang="en-US" sz="3200" dirty="0" err="1">
-                <a:solidFill>
-                  <a:schemeClr val="tx1"/>
-                </a:solidFill>
-                <a:latin typeface="Adobe Caslon Pro" panose="0205050205050A020403"/>
-              </a:rPr>
-              <a:t>dplyr</a:t>
-            </a:r>
-            <a:r>
-              <a:rPr lang="en-US" sz="3200" dirty="0">
-                <a:solidFill>
-                  <a:schemeClr val="tx1"/>
-                </a:solidFill>
-                <a:latin typeface="Adobe Caslon Pro" panose="0205050205050A020403"/>
-              </a:rPr>
-              <a:t> techniques</a:t>
-            </a:r>
-          </a:p>
-          <a:p>
-            <a:endParaRPr lang="en-US" sz="3200" dirty="0">
-              <a:solidFill>
-                <a:schemeClr val="tx1"/>
-              </a:solidFill>
-              <a:latin typeface="Adobe Caslon Pro" panose="0205050205050A020403"/>
-            </a:endParaRPr>
-          </a:p>
-          <a:p>
-            <a:r>
-              <a:rPr lang="en-US" sz="3200" dirty="0">
-                <a:solidFill>
-                  <a:schemeClr val="tx1"/>
-                </a:solidFill>
-                <a:latin typeface="Adobe Caslon Pro" panose="0205050205050A020403"/>
-              </a:rPr>
-              <a:t>All super easy with R.</a:t>
-            </a:r>
-          </a:p>
-          <a:p>
-            <a:endParaRPr lang="en-US" sz="3200" dirty="0">
-              <a:solidFill>
-                <a:schemeClr val="tx1"/>
-              </a:solidFill>
-              <a:latin typeface="Adobe Caslon Pro" panose="0205050205050A020403"/>
-            </a:endParaRPr>
-          </a:p>
-          <a:p>
-            <a:endParaRPr lang="en-US" sz="3200" dirty="0">
-              <a:solidFill>
-                <a:schemeClr val="tx1"/>
-              </a:solidFill>
-              <a:latin typeface="Adobe Caslon Pro" panose="0205050205050A020403"/>
-            </a:endParaRPr>
-          </a:p>
-        </p:txBody>
-      </p:sp>
-      <p:pic>
-        <p:nvPicPr>
-          <p:cNvPr id="4" name="Picture 3"/>
-          <p:cNvPicPr>
-            <a:picLocks noChangeAspect="1"/>
-          </p:cNvPicPr>
-          <p:nvPr/>
-        </p:nvPicPr>
-        <p:blipFill>
-          <a:blip r:embed="rId2">
-            <a:extLst>
-              <a:ext uri="{28A0092B-C50C-407E-A947-70E740481C1C}">
-                <a14:useLocalDpi xmlns:a14="http://schemas.microsoft.com/office/drawing/2010/main" val="0"/>
-              </a:ext>
-            </a:extLst>
-          </a:blip>
-          <a:stretch>
-            <a:fillRect/>
-          </a:stretch>
-        </p:blipFill>
-        <p:spPr>
-          <a:xfrm>
-            <a:off x="10312400" y="5722722"/>
-            <a:ext cx="1879600" cy="1135278"/>
-          </a:xfrm>
-          <a:prstGeom prst="rect">
-            <a:avLst/>
-          </a:prstGeom>
-        </p:spPr>
-      </p:pic>
-    </p:spTree>
-    <p:extLst>
-      <p:ext uri="{BB962C8B-B14F-4D97-AF65-F5344CB8AC3E}">
-        <p14:creationId xmlns:p14="http://schemas.microsoft.com/office/powerpoint/2010/main" val="1753332999"/>
       </p:ext>
     </p:extLst>
   </p:cSld>
